--- a/Lecture 2/Lecture 2.pptx
+++ b/Lecture 2/Lecture 2.pptx
@@ -151,7 +151,7 @@
 <file path=ppt/revisionInfo.xml><?xml version="1.0" encoding="utf-8"?>
 <p1510:revInfo xmlns:a="http://schemas.openxmlformats.org/drawingml/2006/main" xmlns:r="http://schemas.openxmlformats.org/officeDocument/2006/relationships" xmlns:p1510="http://schemas.microsoft.com/office/powerpoint/2015/10/main">
   <p1510:revLst>
-    <p1510:client id="{5830A0AC-DF3B-2344-BCB2-A3AF3F918D03}" v="3725" dt="2025-05-20T11:30:03.458"/>
+    <p1510:client id="{5830A0AC-DF3B-2344-BCB2-A3AF3F918D03}" v="3727" dt="2025-05-22T05:20:18.698"/>
   </p1510:revLst>
 </p1510:revInfo>
 </file>
@@ -253,30 +253,6 @@
           <pc:docMk/>
           <pc:sldMk cId="1291662585" sldId="266"/>
         </pc:sldMkLst>
-        <pc:spChg chg="del">
-          <ac:chgData name="Berube, Sophie" userId="42056e48-058a-47b6-8100-9fca35c7e183" providerId="ADAL" clId="{5830A0AC-DF3B-2344-BCB2-A3AF3F918D03}" dt="2025-05-20T08:36:29.490" v="79" actId="478"/>
-          <ac:spMkLst>
-            <pc:docMk/>
-            <pc:sldMk cId="1291662585" sldId="266"/>
-            <ac:spMk id="11" creationId="{1FD165BC-2A69-6239-23FF-00937F667571}"/>
-          </ac:spMkLst>
-        </pc:spChg>
-        <pc:picChg chg="del">
-          <ac:chgData name="Berube, Sophie" userId="42056e48-058a-47b6-8100-9fca35c7e183" providerId="ADAL" clId="{5830A0AC-DF3B-2344-BCB2-A3AF3F918D03}" dt="2025-05-20T08:36:36.453" v="81" actId="478"/>
-          <ac:picMkLst>
-            <pc:docMk/>
-            <pc:sldMk cId="1291662585" sldId="266"/>
-            <ac:picMk id="7" creationId="{3EBC5354-ADB8-40F1-120E-2640DC0CBDA2}"/>
-          </ac:picMkLst>
-        </pc:picChg>
-        <pc:picChg chg="del">
-          <ac:chgData name="Berube, Sophie" userId="42056e48-058a-47b6-8100-9fca35c7e183" providerId="ADAL" clId="{5830A0AC-DF3B-2344-BCB2-A3AF3F918D03}" dt="2025-05-20T08:36:34.630" v="80" actId="478"/>
-          <ac:picMkLst>
-            <pc:docMk/>
-            <pc:sldMk cId="1291662585" sldId="266"/>
-            <ac:picMk id="10" creationId="{500CC9F0-747B-0FA3-EA19-C364DED59F11}"/>
-          </ac:picMkLst>
-        </pc:picChg>
       </pc:sldChg>
       <pc:sldChg chg="modSp modAnim">
         <pc:chgData name="Berube, Sophie" userId="42056e48-058a-47b6-8100-9fca35c7e183" providerId="ADAL" clId="{5830A0AC-DF3B-2344-BCB2-A3AF3F918D03}" dt="2025-05-20T09:08:57.138" v="1320" actId="113"/>
@@ -299,22 +275,6 @@
           <pc:docMk/>
           <pc:sldMk cId="2823926916" sldId="269"/>
         </pc:sldMkLst>
-        <pc:spChg chg="mod">
-          <ac:chgData name="Berube, Sophie" userId="42056e48-058a-47b6-8100-9fca35c7e183" providerId="ADAL" clId="{5830A0AC-DF3B-2344-BCB2-A3AF3F918D03}" dt="2025-05-20T09:15:18.703" v="1936" actId="20577"/>
-          <ac:spMkLst>
-            <pc:docMk/>
-            <pc:sldMk cId="2823926916" sldId="269"/>
-            <ac:spMk id="2" creationId="{FCB83AA3-614F-2309-E1C4-9EFEDFBC0140}"/>
-          </ac:spMkLst>
-        </pc:spChg>
-        <pc:spChg chg="mod">
-          <ac:chgData name="Berube, Sophie" userId="42056e48-058a-47b6-8100-9fca35c7e183" providerId="ADAL" clId="{5830A0AC-DF3B-2344-BCB2-A3AF3F918D03}" dt="2025-05-20T09:15:26.055" v="1971" actId="20577"/>
-          <ac:spMkLst>
-            <pc:docMk/>
-            <pc:sldMk cId="2823926916" sldId="269"/>
-            <ac:spMk id="4" creationId="{C1E1BB6F-945D-C4CC-6789-C0000D98F861}"/>
-          </ac:spMkLst>
-        </pc:spChg>
       </pc:sldChg>
       <pc:sldChg chg="addSp delSp modSp mod ord">
         <pc:chgData name="Berube, Sophie" userId="42056e48-058a-47b6-8100-9fca35c7e183" providerId="ADAL" clId="{5830A0AC-DF3B-2344-BCB2-A3AF3F918D03}" dt="2025-05-20T09:17:52.191" v="2155" actId="20577"/>
@@ -328,14 +288,6 @@
             <pc:docMk/>
             <pc:sldMk cId="3264401481" sldId="270"/>
             <ac:spMk id="2" creationId="{E2295F78-116D-D6BE-F37F-BB322E43E166}"/>
-          </ac:spMkLst>
-        </pc:spChg>
-        <pc:spChg chg="add del mod">
-          <ac:chgData name="Berube, Sophie" userId="42056e48-058a-47b6-8100-9fca35c7e183" providerId="ADAL" clId="{5830A0AC-DF3B-2344-BCB2-A3AF3F918D03}" dt="2025-05-20T09:17:36.546" v="2150"/>
-          <ac:spMkLst>
-            <pc:docMk/>
-            <pc:sldMk cId="3264401481" sldId="270"/>
-            <ac:spMk id="4" creationId="{411A04C3-0CA6-7C65-89DE-9DAFA9C346EF}"/>
           </ac:spMkLst>
         </pc:spChg>
         <pc:spChg chg="add mod">
@@ -375,14 +327,6 @@
             <pc:docMk/>
             <pc:sldMk cId="305121693" sldId="271"/>
             <ac:spMk id="4" creationId="{6184C812-0C3A-46B4-E59B-FA6412DC906C}"/>
-          </ac:spMkLst>
-        </pc:spChg>
-        <pc:spChg chg="del mod">
-          <ac:chgData name="Berube, Sophie" userId="42056e48-058a-47b6-8100-9fca35c7e183" providerId="ADAL" clId="{5830A0AC-DF3B-2344-BCB2-A3AF3F918D03}" dt="2025-05-20T09:16:55.728" v="1984"/>
-          <ac:spMkLst>
-            <pc:docMk/>
-            <pc:sldMk cId="305121693" sldId="271"/>
-            <ac:spMk id="5" creationId="{89BE8474-36F9-C616-1B65-AA8517DB9C20}"/>
           </ac:spMkLst>
         </pc:spChg>
       </pc:sldChg>
@@ -436,28 +380,12 @@
             <ac:spMk id="2" creationId="{33617A02-BD99-92F7-CB11-F0549399F391}"/>
           </ac:spMkLst>
         </pc:spChg>
-        <pc:spChg chg="add del mod">
-          <ac:chgData name="Berube, Sophie" userId="42056e48-058a-47b6-8100-9fca35c7e183" providerId="ADAL" clId="{5830A0AC-DF3B-2344-BCB2-A3AF3F918D03}" dt="2025-05-20T09:37:55.883" v="4059"/>
-          <ac:spMkLst>
-            <pc:docMk/>
-            <pc:sldMk cId="515772747" sldId="277"/>
-            <ac:spMk id="3" creationId="{CE926581-1988-472F-6FC8-C1A6EEC594F8}"/>
-          </ac:spMkLst>
-        </pc:spChg>
         <pc:spChg chg="mod">
           <ac:chgData name="Berube, Sophie" userId="42056e48-058a-47b6-8100-9fca35c7e183" providerId="ADAL" clId="{5830A0AC-DF3B-2344-BCB2-A3AF3F918D03}" dt="2025-05-20T09:37:58.623" v="4062" actId="1076"/>
           <ac:spMkLst>
             <pc:docMk/>
             <pc:sldMk cId="515772747" sldId="277"/>
             <ac:spMk id="4" creationId="{373E0318-787F-785F-C1BE-FAC183506262}"/>
-          </ac:spMkLst>
-        </pc:spChg>
-        <pc:spChg chg="add del mod">
-          <ac:chgData name="Berube, Sophie" userId="42056e48-058a-47b6-8100-9fca35c7e183" providerId="ADAL" clId="{5830A0AC-DF3B-2344-BCB2-A3AF3F918D03}" dt="2025-05-20T09:37:56.483" v="4061"/>
-          <ac:spMkLst>
-            <pc:docMk/>
-            <pc:sldMk cId="515772747" sldId="277"/>
-            <ac:spMk id="5" creationId="{970099F7-8FFB-0182-3A11-B4DF66FA3EA2}"/>
           </ac:spMkLst>
         </pc:spChg>
       </pc:sldChg>
@@ -496,14 +424,6 @@
           <pc:docMk/>
           <pc:sldMk cId="3451825023" sldId="284"/>
         </pc:sldMkLst>
-        <pc:spChg chg="del">
-          <ac:chgData name="Berube, Sophie" userId="42056e48-058a-47b6-8100-9fca35c7e183" providerId="ADAL" clId="{5830A0AC-DF3B-2344-BCB2-A3AF3F918D03}" dt="2025-05-20T08:46:11.708" v="84" actId="478"/>
-          <ac:spMkLst>
-            <pc:docMk/>
-            <pc:sldMk cId="3451825023" sldId="284"/>
-            <ac:spMk id="4" creationId="{1CA2DEBF-2A2D-6A6E-D1F6-4FCFFF2A92D6}"/>
-          </ac:spMkLst>
-        </pc:spChg>
       </pc:sldChg>
       <pc:sldChg chg="del">
         <pc:chgData name="Berube, Sophie" userId="42056e48-058a-47b6-8100-9fca35c7e183" providerId="ADAL" clId="{5830A0AC-DF3B-2344-BCB2-A3AF3F918D03}" dt="2025-05-20T11:19:36.334" v="7373" actId="2696"/>
@@ -540,14 +460,6 @@
           <pc:docMk/>
           <pc:sldMk cId="4159429507" sldId="294"/>
         </pc:sldMkLst>
-        <pc:spChg chg="mod">
-          <ac:chgData name="Berube, Sophie" userId="42056e48-058a-47b6-8100-9fca35c7e183" providerId="ADAL" clId="{5830A0AC-DF3B-2344-BCB2-A3AF3F918D03}" dt="2025-05-20T11:19:31.680" v="7372" actId="20577"/>
-          <ac:spMkLst>
-            <pc:docMk/>
-            <pc:sldMk cId="4159429507" sldId="294"/>
-            <ac:spMk id="5" creationId="{29DAEFDB-008F-029F-FF98-87D21779BECE}"/>
-          </ac:spMkLst>
-        </pc:spChg>
       </pc:sldChg>
       <pc:sldChg chg="modSp mod">
         <pc:chgData name="Berube, Sophie" userId="42056e48-058a-47b6-8100-9fca35c7e183" providerId="ADAL" clId="{5830A0AC-DF3B-2344-BCB2-A3AF3F918D03}" dt="2025-05-20T11:09:07.298" v="6478" actId="113"/>
@@ -604,30 +516,6 @@
             <pc:docMk/>
             <pc:sldMk cId="3207982445" sldId="302"/>
             <ac:spMk id="2" creationId="{D245D006-C742-A907-0FF9-B8D47EB0AFDD}"/>
-          </ac:spMkLst>
-        </pc:spChg>
-        <pc:spChg chg="add mod">
-          <ac:chgData name="Berube, Sophie" userId="42056e48-058a-47b6-8100-9fca35c7e183" providerId="ADAL" clId="{5830A0AC-DF3B-2344-BCB2-A3AF3F918D03}" dt="2025-05-20T09:10:02.165" v="1379"/>
-          <ac:spMkLst>
-            <pc:docMk/>
-            <pc:sldMk cId="3207982445" sldId="302"/>
-            <ac:spMk id="3" creationId="{9625B024-53CB-6FA3-93AE-0F7C380A9DC6}"/>
-          </ac:spMkLst>
-        </pc:spChg>
-        <pc:spChg chg="add del mod">
-          <ac:chgData name="Berube, Sophie" userId="42056e48-058a-47b6-8100-9fca35c7e183" providerId="ADAL" clId="{5830A0AC-DF3B-2344-BCB2-A3AF3F918D03}" dt="2025-05-20T09:10:08.248" v="1384" actId="767"/>
-          <ac:spMkLst>
-            <pc:docMk/>
-            <pc:sldMk cId="3207982445" sldId="302"/>
-            <ac:spMk id="4" creationId="{6AB325AF-D911-3213-AD1B-ED31BD985332}"/>
-          </ac:spMkLst>
-        </pc:spChg>
-        <pc:spChg chg="add del mod">
-          <ac:chgData name="Berube, Sophie" userId="42056e48-058a-47b6-8100-9fca35c7e183" providerId="ADAL" clId="{5830A0AC-DF3B-2344-BCB2-A3AF3F918D03}" dt="2025-05-20T09:10:22.593" v="1390" actId="478"/>
-          <ac:spMkLst>
-            <pc:docMk/>
-            <pc:sldMk cId="3207982445" sldId="302"/>
-            <ac:spMk id="6" creationId="{D5A6CCF6-2B55-3018-3ADB-EF55140BA06E}"/>
           </ac:spMkLst>
         </pc:spChg>
         <pc:spChg chg="add mod">
@@ -715,14 +603,6 @@
             <ac:picMk id="4" creationId="{2DCFD485-FFE9-1181-A042-523E64A0996E}"/>
           </ac:picMkLst>
         </pc:picChg>
-        <pc:cxnChg chg="add del mod">
-          <ac:chgData name="Berube, Sophie" userId="42056e48-058a-47b6-8100-9fca35c7e183" providerId="ADAL" clId="{5830A0AC-DF3B-2344-BCB2-A3AF3F918D03}" dt="2025-05-20T11:15:13.498" v="6763" actId="478"/>
-          <ac:cxnSpMkLst>
-            <pc:docMk/>
-            <pc:sldMk cId="2910115325" sldId="305"/>
-            <ac:cxnSpMk id="6" creationId="{637C4A0D-4530-4B35-32E1-5FB0BE06958F}"/>
-          </ac:cxnSpMkLst>
-        </pc:cxnChg>
       </pc:sldChg>
       <pc:sldChg chg="modSp add mod">
         <pc:chgData name="Berube, Sophie" userId="42056e48-058a-47b6-8100-9fca35c7e183" providerId="ADAL" clId="{5830A0AC-DF3B-2344-BCB2-A3AF3F918D03}" dt="2025-05-20T11:18:44.901" v="7284" actId="113"/>
@@ -759,14 +639,6 @@
             <pc:docMk/>
             <pc:sldMk cId="4026474141" sldId="307"/>
             <ac:spMk id="3" creationId="{C223504C-ADCE-9027-051D-91E398864EAF}"/>
-          </ac:spMkLst>
-        </pc:spChg>
-        <pc:spChg chg="add del mod">
-          <ac:chgData name="Berube, Sophie" userId="42056e48-058a-47b6-8100-9fca35c7e183" providerId="ADAL" clId="{5830A0AC-DF3B-2344-BCB2-A3AF3F918D03}" dt="2025-05-20T11:25:30.284" v="8258"/>
-          <ac:spMkLst>
-            <pc:docMk/>
-            <pc:sldMk cId="4026474141" sldId="307"/>
-            <ac:spMk id="4" creationId="{2E025535-ECC5-D38C-F6F1-3A83DF6D0251}"/>
           </ac:spMkLst>
         </pc:spChg>
         <pc:spChg chg="add mod">
@@ -895,7 +767,7 @@
           <a:p>
             <a:fld id="{2E2C281D-2BC5-744A-B907-5860DFA7E8B3}" type="datetimeFigureOut">
               <a:rPr lang="en-US" smtClean="0"/>
-              <a:t>5/20/25</a:t>
+              <a:t>5/22/25</a:t>
             </a:fld>
             <a:endParaRPr lang="en-US"/>
           </a:p>
@@ -1251,6 +1123,546 @@
   <p:cSld>
     <p:spTree>
       <p:nvGrpSpPr>
+        <p:cNvPr id="1" name="">
+          <a:extLst>
+            <a:ext uri="{FF2B5EF4-FFF2-40B4-BE49-F238E27FC236}">
+              <a16:creationId xmlns:a16="http://schemas.microsoft.com/office/drawing/2014/main" id="{45EAAFC7-7366-1436-CF6E-720C431F97BD}"/>
+            </a:ext>
+          </a:extLst>
+        </p:cNvPr>
+        <p:cNvGrpSpPr/>
+        <p:nvPr/>
+      </p:nvGrpSpPr>
+      <p:grpSpPr>
+        <a:xfrm>
+          <a:off x="0" y="0"/>
+          <a:ext cx="0" cy="0"/>
+          <a:chOff x="0" y="0"/>
+          <a:chExt cx="0" cy="0"/>
+        </a:xfrm>
+      </p:grpSpPr>
+      <p:sp>
+        <p:nvSpPr>
+          <p:cNvPr id="2" name="Slide Image Placeholder 1">
+            <a:extLst>
+              <a:ext uri="{FF2B5EF4-FFF2-40B4-BE49-F238E27FC236}">
+                <a16:creationId xmlns:a16="http://schemas.microsoft.com/office/drawing/2014/main" id="{F902609C-5137-9D2B-3918-A2999E2AEC4D}"/>
+              </a:ext>
+            </a:extLst>
+          </p:cNvPr>
+          <p:cNvSpPr>
+            <a:spLocks noGrp="1" noRot="1" noChangeAspect="1"/>
+          </p:cNvSpPr>
+          <p:nvPr>
+            <p:ph type="sldImg"/>
+          </p:nvPr>
+        </p:nvSpPr>
+        <p:spPr/>
+      </p:sp>
+      <p:sp>
+        <p:nvSpPr>
+          <p:cNvPr id="3" name="Notes Placeholder 2">
+            <a:extLst>
+              <a:ext uri="{FF2B5EF4-FFF2-40B4-BE49-F238E27FC236}">
+                <a16:creationId xmlns:a16="http://schemas.microsoft.com/office/drawing/2014/main" id="{923D18B7-359C-360F-EDD3-A235EB48BFB6}"/>
+              </a:ext>
+            </a:extLst>
+          </p:cNvPr>
+          <p:cNvSpPr>
+            <a:spLocks noGrp="1"/>
+          </p:cNvSpPr>
+          <p:nvPr>
+            <p:ph type="body" idx="1"/>
+          </p:nvPr>
+        </p:nvSpPr>
+        <p:spPr/>
+        <p:txBody>
+          <a:bodyPr/>
+          <a:lstStyle/>
+          <a:p>
+            <a:endParaRPr lang="en-US" dirty="0"/>
+          </a:p>
+        </p:txBody>
+      </p:sp>
+      <p:sp>
+        <p:nvSpPr>
+          <p:cNvPr id="4" name="Slide Number Placeholder 3">
+            <a:extLst>
+              <a:ext uri="{FF2B5EF4-FFF2-40B4-BE49-F238E27FC236}">
+                <a16:creationId xmlns:a16="http://schemas.microsoft.com/office/drawing/2014/main" id="{06023775-BD23-66C6-5541-2E4B8D051999}"/>
+              </a:ext>
+            </a:extLst>
+          </p:cNvPr>
+          <p:cNvSpPr>
+            <a:spLocks noGrp="1"/>
+          </p:cNvSpPr>
+          <p:nvPr>
+            <p:ph type="sldNum" sz="quarter" idx="5"/>
+          </p:nvPr>
+        </p:nvSpPr>
+        <p:spPr/>
+        <p:txBody>
+          <a:bodyPr/>
+          <a:lstStyle/>
+          <a:p>
+            <a:fld id="{0F8404DA-2D28-894E-A05F-DC17DE612424}" type="slidenum">
+              <a:rPr lang="en-US" smtClean="0"/>
+              <a:t>10</a:t>
+            </a:fld>
+            <a:endParaRPr lang="en-US"/>
+          </a:p>
+        </p:txBody>
+      </p:sp>
+    </p:spTree>
+    <p:extLst>
+      <p:ext uri="{BB962C8B-B14F-4D97-AF65-F5344CB8AC3E}">
+        <p14:creationId xmlns:p14="http://schemas.microsoft.com/office/powerpoint/2010/main" val="1950047796"/>
+      </p:ext>
+    </p:extLst>
+  </p:cSld>
+  <p:clrMapOvr>
+    <a:masterClrMapping/>
+  </p:clrMapOvr>
+</p:notes>
+</file>
+
+<file path=ppt/notesSlides/notesSlide11.xml><?xml version="1.0" encoding="utf-8"?>
+<p:notes xmlns:a="http://schemas.openxmlformats.org/drawingml/2006/main" xmlns:r="http://schemas.openxmlformats.org/officeDocument/2006/relationships" xmlns:p="http://schemas.openxmlformats.org/presentationml/2006/main">
+  <p:cSld>
+    <p:spTree>
+      <p:nvGrpSpPr>
+        <p:cNvPr id="1" name="">
+          <a:extLst>
+            <a:ext uri="{FF2B5EF4-FFF2-40B4-BE49-F238E27FC236}">
+              <a16:creationId xmlns:a16="http://schemas.microsoft.com/office/drawing/2014/main" id="{05A06AD7-F8B8-F931-1548-462C86211DD0}"/>
+            </a:ext>
+          </a:extLst>
+        </p:cNvPr>
+        <p:cNvGrpSpPr/>
+        <p:nvPr/>
+      </p:nvGrpSpPr>
+      <p:grpSpPr>
+        <a:xfrm>
+          <a:off x="0" y="0"/>
+          <a:ext cx="0" cy="0"/>
+          <a:chOff x="0" y="0"/>
+          <a:chExt cx="0" cy="0"/>
+        </a:xfrm>
+      </p:grpSpPr>
+      <p:sp>
+        <p:nvSpPr>
+          <p:cNvPr id="2" name="Slide Image Placeholder 1">
+            <a:extLst>
+              <a:ext uri="{FF2B5EF4-FFF2-40B4-BE49-F238E27FC236}">
+                <a16:creationId xmlns:a16="http://schemas.microsoft.com/office/drawing/2014/main" id="{C17968CC-9472-1417-4D97-C1B2333E9D68}"/>
+              </a:ext>
+            </a:extLst>
+          </p:cNvPr>
+          <p:cNvSpPr>
+            <a:spLocks noGrp="1" noRot="1" noChangeAspect="1"/>
+          </p:cNvSpPr>
+          <p:nvPr>
+            <p:ph type="sldImg"/>
+          </p:nvPr>
+        </p:nvSpPr>
+        <p:spPr/>
+      </p:sp>
+      <p:sp>
+        <p:nvSpPr>
+          <p:cNvPr id="3" name="Notes Placeholder 2">
+            <a:extLst>
+              <a:ext uri="{FF2B5EF4-FFF2-40B4-BE49-F238E27FC236}">
+                <a16:creationId xmlns:a16="http://schemas.microsoft.com/office/drawing/2014/main" id="{22A386D4-AC1F-6B01-07BC-D5EF54B4F3D8}"/>
+              </a:ext>
+            </a:extLst>
+          </p:cNvPr>
+          <p:cNvSpPr>
+            <a:spLocks noGrp="1"/>
+          </p:cNvSpPr>
+          <p:nvPr>
+            <p:ph type="body" idx="1"/>
+          </p:nvPr>
+        </p:nvSpPr>
+        <p:spPr/>
+        <p:txBody>
+          <a:bodyPr/>
+          <a:lstStyle/>
+          <a:p>
+            <a:endParaRPr lang="en-US" dirty="0"/>
+          </a:p>
+        </p:txBody>
+      </p:sp>
+      <p:sp>
+        <p:nvSpPr>
+          <p:cNvPr id="4" name="Slide Number Placeholder 3">
+            <a:extLst>
+              <a:ext uri="{FF2B5EF4-FFF2-40B4-BE49-F238E27FC236}">
+                <a16:creationId xmlns:a16="http://schemas.microsoft.com/office/drawing/2014/main" id="{AE0E3765-F9A3-2195-C0E3-6153A9A3EB60}"/>
+              </a:ext>
+            </a:extLst>
+          </p:cNvPr>
+          <p:cNvSpPr>
+            <a:spLocks noGrp="1"/>
+          </p:cNvSpPr>
+          <p:nvPr>
+            <p:ph type="sldNum" sz="quarter" idx="5"/>
+          </p:nvPr>
+        </p:nvSpPr>
+        <p:spPr/>
+        <p:txBody>
+          <a:bodyPr/>
+          <a:lstStyle/>
+          <a:p>
+            <a:fld id="{0F8404DA-2D28-894E-A05F-DC17DE612424}" type="slidenum">
+              <a:rPr lang="en-US" smtClean="0"/>
+              <a:t>11</a:t>
+            </a:fld>
+            <a:endParaRPr lang="en-US"/>
+          </a:p>
+        </p:txBody>
+      </p:sp>
+    </p:spTree>
+    <p:extLst>
+      <p:ext uri="{BB962C8B-B14F-4D97-AF65-F5344CB8AC3E}">
+        <p14:creationId xmlns:p14="http://schemas.microsoft.com/office/powerpoint/2010/main" val="1856077374"/>
+      </p:ext>
+    </p:extLst>
+  </p:cSld>
+  <p:clrMapOvr>
+    <a:masterClrMapping/>
+  </p:clrMapOvr>
+</p:notes>
+</file>
+
+<file path=ppt/notesSlides/notesSlide12.xml><?xml version="1.0" encoding="utf-8"?>
+<p:notes xmlns:a="http://schemas.openxmlformats.org/drawingml/2006/main" xmlns:r="http://schemas.openxmlformats.org/officeDocument/2006/relationships" xmlns:p="http://schemas.openxmlformats.org/presentationml/2006/main">
+  <p:cSld>
+    <p:spTree>
+      <p:nvGrpSpPr>
+        <p:cNvPr id="1" name="">
+          <a:extLst>
+            <a:ext uri="{FF2B5EF4-FFF2-40B4-BE49-F238E27FC236}">
+              <a16:creationId xmlns:a16="http://schemas.microsoft.com/office/drawing/2014/main" id="{59DB1B0F-24AB-CF9D-BC6D-6364A5A4532C}"/>
+            </a:ext>
+          </a:extLst>
+        </p:cNvPr>
+        <p:cNvGrpSpPr/>
+        <p:nvPr/>
+      </p:nvGrpSpPr>
+      <p:grpSpPr>
+        <a:xfrm>
+          <a:off x="0" y="0"/>
+          <a:ext cx="0" cy="0"/>
+          <a:chOff x="0" y="0"/>
+          <a:chExt cx="0" cy="0"/>
+        </a:xfrm>
+      </p:grpSpPr>
+      <p:sp>
+        <p:nvSpPr>
+          <p:cNvPr id="2" name="Slide Image Placeholder 1">
+            <a:extLst>
+              <a:ext uri="{FF2B5EF4-FFF2-40B4-BE49-F238E27FC236}">
+                <a16:creationId xmlns:a16="http://schemas.microsoft.com/office/drawing/2014/main" id="{2314ADD7-E438-DC63-C478-6E7A97DB0460}"/>
+              </a:ext>
+            </a:extLst>
+          </p:cNvPr>
+          <p:cNvSpPr>
+            <a:spLocks noGrp="1" noRot="1" noChangeAspect="1"/>
+          </p:cNvSpPr>
+          <p:nvPr>
+            <p:ph type="sldImg"/>
+          </p:nvPr>
+        </p:nvSpPr>
+        <p:spPr/>
+      </p:sp>
+      <p:sp>
+        <p:nvSpPr>
+          <p:cNvPr id="3" name="Notes Placeholder 2">
+            <a:extLst>
+              <a:ext uri="{FF2B5EF4-FFF2-40B4-BE49-F238E27FC236}">
+                <a16:creationId xmlns:a16="http://schemas.microsoft.com/office/drawing/2014/main" id="{F8F013CE-260E-8631-B4F3-C54D600EF970}"/>
+              </a:ext>
+            </a:extLst>
+          </p:cNvPr>
+          <p:cNvSpPr>
+            <a:spLocks noGrp="1"/>
+          </p:cNvSpPr>
+          <p:nvPr>
+            <p:ph type="body" idx="1"/>
+          </p:nvPr>
+        </p:nvSpPr>
+        <p:spPr/>
+        <p:txBody>
+          <a:bodyPr/>
+          <a:lstStyle/>
+          <a:p>
+            <a:endParaRPr lang="en-US" dirty="0"/>
+          </a:p>
+        </p:txBody>
+      </p:sp>
+      <p:sp>
+        <p:nvSpPr>
+          <p:cNvPr id="4" name="Slide Number Placeholder 3">
+            <a:extLst>
+              <a:ext uri="{FF2B5EF4-FFF2-40B4-BE49-F238E27FC236}">
+                <a16:creationId xmlns:a16="http://schemas.microsoft.com/office/drawing/2014/main" id="{B976AC91-7E78-EAE5-BA93-4717D76BBA5E}"/>
+              </a:ext>
+            </a:extLst>
+          </p:cNvPr>
+          <p:cNvSpPr>
+            <a:spLocks noGrp="1"/>
+          </p:cNvSpPr>
+          <p:nvPr>
+            <p:ph type="sldNum" sz="quarter" idx="5"/>
+          </p:nvPr>
+        </p:nvSpPr>
+        <p:spPr/>
+        <p:txBody>
+          <a:bodyPr/>
+          <a:lstStyle/>
+          <a:p>
+            <a:fld id="{0F8404DA-2D28-894E-A05F-DC17DE612424}" type="slidenum">
+              <a:rPr lang="en-US" smtClean="0"/>
+              <a:t>12</a:t>
+            </a:fld>
+            <a:endParaRPr lang="en-US"/>
+          </a:p>
+        </p:txBody>
+      </p:sp>
+    </p:spTree>
+    <p:extLst>
+      <p:ext uri="{BB962C8B-B14F-4D97-AF65-F5344CB8AC3E}">
+        <p14:creationId xmlns:p14="http://schemas.microsoft.com/office/powerpoint/2010/main" val="204694736"/>
+      </p:ext>
+    </p:extLst>
+  </p:cSld>
+  <p:clrMapOvr>
+    <a:masterClrMapping/>
+  </p:clrMapOvr>
+</p:notes>
+</file>
+
+<file path=ppt/notesSlides/notesSlide13.xml><?xml version="1.0" encoding="utf-8"?>
+<p:notes xmlns:a="http://schemas.openxmlformats.org/drawingml/2006/main" xmlns:r="http://schemas.openxmlformats.org/officeDocument/2006/relationships" xmlns:p="http://schemas.openxmlformats.org/presentationml/2006/main">
+  <p:cSld>
+    <p:spTree>
+      <p:nvGrpSpPr>
+        <p:cNvPr id="1" name="">
+          <a:extLst>
+            <a:ext uri="{FF2B5EF4-FFF2-40B4-BE49-F238E27FC236}">
+              <a16:creationId xmlns:a16="http://schemas.microsoft.com/office/drawing/2014/main" id="{FDEABCDF-06BA-EDCD-BD18-AD30CF1FBA2D}"/>
+            </a:ext>
+          </a:extLst>
+        </p:cNvPr>
+        <p:cNvGrpSpPr/>
+        <p:nvPr/>
+      </p:nvGrpSpPr>
+      <p:grpSpPr>
+        <a:xfrm>
+          <a:off x="0" y="0"/>
+          <a:ext cx="0" cy="0"/>
+          <a:chOff x="0" y="0"/>
+          <a:chExt cx="0" cy="0"/>
+        </a:xfrm>
+      </p:grpSpPr>
+      <p:sp>
+        <p:nvSpPr>
+          <p:cNvPr id="2" name="Slide Image Placeholder 1">
+            <a:extLst>
+              <a:ext uri="{FF2B5EF4-FFF2-40B4-BE49-F238E27FC236}">
+                <a16:creationId xmlns:a16="http://schemas.microsoft.com/office/drawing/2014/main" id="{530E7EB5-2327-9D2E-7B67-A17890384761}"/>
+              </a:ext>
+            </a:extLst>
+          </p:cNvPr>
+          <p:cNvSpPr>
+            <a:spLocks noGrp="1" noRot="1" noChangeAspect="1"/>
+          </p:cNvSpPr>
+          <p:nvPr>
+            <p:ph type="sldImg"/>
+          </p:nvPr>
+        </p:nvSpPr>
+        <p:spPr/>
+      </p:sp>
+      <p:sp>
+        <p:nvSpPr>
+          <p:cNvPr id="3" name="Notes Placeholder 2">
+            <a:extLst>
+              <a:ext uri="{FF2B5EF4-FFF2-40B4-BE49-F238E27FC236}">
+                <a16:creationId xmlns:a16="http://schemas.microsoft.com/office/drawing/2014/main" id="{2119359C-0645-5DD7-2860-8EA50877DEAA}"/>
+              </a:ext>
+            </a:extLst>
+          </p:cNvPr>
+          <p:cNvSpPr>
+            <a:spLocks noGrp="1"/>
+          </p:cNvSpPr>
+          <p:nvPr>
+            <p:ph type="body" idx="1"/>
+          </p:nvPr>
+        </p:nvSpPr>
+        <p:spPr/>
+        <p:txBody>
+          <a:bodyPr/>
+          <a:lstStyle/>
+          <a:p>
+            <a:endParaRPr lang="en-US" dirty="0"/>
+          </a:p>
+        </p:txBody>
+      </p:sp>
+      <p:sp>
+        <p:nvSpPr>
+          <p:cNvPr id="4" name="Slide Number Placeholder 3">
+            <a:extLst>
+              <a:ext uri="{FF2B5EF4-FFF2-40B4-BE49-F238E27FC236}">
+                <a16:creationId xmlns:a16="http://schemas.microsoft.com/office/drawing/2014/main" id="{894136A2-1A83-953C-4B5F-2173B9C72806}"/>
+              </a:ext>
+            </a:extLst>
+          </p:cNvPr>
+          <p:cNvSpPr>
+            <a:spLocks noGrp="1"/>
+          </p:cNvSpPr>
+          <p:nvPr>
+            <p:ph type="sldNum" sz="quarter" idx="5"/>
+          </p:nvPr>
+        </p:nvSpPr>
+        <p:spPr/>
+        <p:txBody>
+          <a:bodyPr/>
+          <a:lstStyle/>
+          <a:p>
+            <a:fld id="{0F8404DA-2D28-894E-A05F-DC17DE612424}" type="slidenum">
+              <a:rPr lang="en-US" smtClean="0"/>
+              <a:t>15</a:t>
+            </a:fld>
+            <a:endParaRPr lang="en-US"/>
+          </a:p>
+        </p:txBody>
+      </p:sp>
+    </p:spTree>
+    <p:extLst>
+      <p:ext uri="{BB962C8B-B14F-4D97-AF65-F5344CB8AC3E}">
+        <p14:creationId xmlns:p14="http://schemas.microsoft.com/office/powerpoint/2010/main" val="650011864"/>
+      </p:ext>
+    </p:extLst>
+  </p:cSld>
+  <p:clrMapOvr>
+    <a:masterClrMapping/>
+  </p:clrMapOvr>
+</p:notes>
+</file>
+
+<file path=ppt/notesSlides/notesSlide14.xml><?xml version="1.0" encoding="utf-8"?>
+<p:notes xmlns:a="http://schemas.openxmlformats.org/drawingml/2006/main" xmlns:r="http://schemas.openxmlformats.org/officeDocument/2006/relationships" xmlns:p="http://schemas.openxmlformats.org/presentationml/2006/main">
+  <p:cSld>
+    <p:spTree>
+      <p:nvGrpSpPr>
+        <p:cNvPr id="1" name="">
+          <a:extLst>
+            <a:ext uri="{FF2B5EF4-FFF2-40B4-BE49-F238E27FC236}">
+              <a16:creationId xmlns:a16="http://schemas.microsoft.com/office/drawing/2014/main" id="{5F3A9D1C-08F1-EC02-1F58-9CACD7DA5B48}"/>
+            </a:ext>
+          </a:extLst>
+        </p:cNvPr>
+        <p:cNvGrpSpPr/>
+        <p:nvPr/>
+      </p:nvGrpSpPr>
+      <p:grpSpPr>
+        <a:xfrm>
+          <a:off x="0" y="0"/>
+          <a:ext cx="0" cy="0"/>
+          <a:chOff x="0" y="0"/>
+          <a:chExt cx="0" cy="0"/>
+        </a:xfrm>
+      </p:grpSpPr>
+      <p:sp>
+        <p:nvSpPr>
+          <p:cNvPr id="2" name="Slide Image Placeholder 1">
+            <a:extLst>
+              <a:ext uri="{FF2B5EF4-FFF2-40B4-BE49-F238E27FC236}">
+                <a16:creationId xmlns:a16="http://schemas.microsoft.com/office/drawing/2014/main" id="{35C17E92-D9C9-444D-524A-CC342B7D719B}"/>
+              </a:ext>
+            </a:extLst>
+          </p:cNvPr>
+          <p:cNvSpPr>
+            <a:spLocks noGrp="1" noRot="1" noChangeAspect="1"/>
+          </p:cNvSpPr>
+          <p:nvPr>
+            <p:ph type="sldImg"/>
+          </p:nvPr>
+        </p:nvSpPr>
+        <p:spPr/>
+      </p:sp>
+      <p:sp>
+        <p:nvSpPr>
+          <p:cNvPr id="3" name="Notes Placeholder 2">
+            <a:extLst>
+              <a:ext uri="{FF2B5EF4-FFF2-40B4-BE49-F238E27FC236}">
+                <a16:creationId xmlns:a16="http://schemas.microsoft.com/office/drawing/2014/main" id="{FF0B004B-C094-F2E4-B63F-4F9487DC0166}"/>
+              </a:ext>
+            </a:extLst>
+          </p:cNvPr>
+          <p:cNvSpPr>
+            <a:spLocks noGrp="1"/>
+          </p:cNvSpPr>
+          <p:nvPr>
+            <p:ph type="body" idx="1"/>
+          </p:nvPr>
+        </p:nvSpPr>
+        <p:spPr/>
+        <p:txBody>
+          <a:bodyPr/>
+          <a:lstStyle/>
+          <a:p>
+            <a:endParaRPr lang="en-US" dirty="0"/>
+          </a:p>
+        </p:txBody>
+      </p:sp>
+      <p:sp>
+        <p:nvSpPr>
+          <p:cNvPr id="4" name="Slide Number Placeholder 3">
+            <a:extLst>
+              <a:ext uri="{FF2B5EF4-FFF2-40B4-BE49-F238E27FC236}">
+                <a16:creationId xmlns:a16="http://schemas.microsoft.com/office/drawing/2014/main" id="{5D7B63FB-0A62-80EF-7398-369C612C601D}"/>
+              </a:ext>
+            </a:extLst>
+          </p:cNvPr>
+          <p:cNvSpPr>
+            <a:spLocks noGrp="1"/>
+          </p:cNvSpPr>
+          <p:nvPr>
+            <p:ph type="sldNum" sz="quarter" idx="5"/>
+          </p:nvPr>
+        </p:nvSpPr>
+        <p:spPr/>
+        <p:txBody>
+          <a:bodyPr/>
+          <a:lstStyle/>
+          <a:p>
+            <a:fld id="{0F8404DA-2D28-894E-A05F-DC17DE612424}" type="slidenum">
+              <a:rPr lang="en-US" smtClean="0"/>
+              <a:t>19</a:t>
+            </a:fld>
+            <a:endParaRPr lang="en-US"/>
+          </a:p>
+        </p:txBody>
+      </p:sp>
+    </p:spTree>
+    <p:extLst>
+      <p:ext uri="{BB962C8B-B14F-4D97-AF65-F5344CB8AC3E}">
+        <p14:creationId xmlns:p14="http://schemas.microsoft.com/office/powerpoint/2010/main" val="277605947"/>
+      </p:ext>
+    </p:extLst>
+  </p:cSld>
+  <p:clrMapOvr>
+    <a:masterClrMapping/>
+  </p:clrMapOvr>
+</p:notes>
+</file>
+
+<file path=ppt/notesSlides/notesSlide15.xml><?xml version="1.0" encoding="utf-8"?>
+<p:notes xmlns:a="http://schemas.openxmlformats.org/drawingml/2006/main" xmlns:r="http://schemas.openxmlformats.org/officeDocument/2006/relationships" xmlns:p="http://schemas.openxmlformats.org/presentationml/2006/main">
+  <p:cSld>
+    <p:spTree>
+      <p:nvGrpSpPr>
         <p:cNvPr id="1" name=""/>
         <p:cNvGrpSpPr/>
         <p:nvPr/>
@@ -1330,7 +1742,7 @@
 </p:notes>
 </file>
 
-<file path=ppt/notesSlides/notesSlide11.xml><?xml version="1.0" encoding="utf-8"?>
+<file path=ppt/notesSlides/notesSlide16.xml><?xml version="1.0" encoding="utf-8"?>
 <p:notes xmlns:a="http://schemas.openxmlformats.org/drawingml/2006/main" xmlns:r="http://schemas.openxmlformats.org/officeDocument/2006/relationships" xmlns:p="http://schemas.openxmlformats.org/presentationml/2006/main">
   <p:cSld>
     <p:spTree>
@@ -1438,7 +1850,91 @@
 </p:notes>
 </file>
 
-<file path=ppt/notesSlides/notesSlide12.xml><?xml version="1.0" encoding="utf-8"?>
+<file path=ppt/notesSlides/notesSlide17.xml><?xml version="1.0" encoding="utf-8"?>
+<p:notes xmlns:a="http://schemas.openxmlformats.org/drawingml/2006/main" xmlns:r="http://schemas.openxmlformats.org/officeDocument/2006/relationships" xmlns:p="http://schemas.openxmlformats.org/presentationml/2006/main">
+  <p:cSld>
+    <p:spTree>
+      <p:nvGrpSpPr>
+        <p:cNvPr id="1" name=""/>
+        <p:cNvGrpSpPr/>
+        <p:nvPr/>
+      </p:nvGrpSpPr>
+      <p:grpSpPr>
+        <a:xfrm>
+          <a:off x="0" y="0"/>
+          <a:ext cx="0" cy="0"/>
+          <a:chOff x="0" y="0"/>
+          <a:chExt cx="0" cy="0"/>
+        </a:xfrm>
+      </p:grpSpPr>
+      <p:sp>
+        <p:nvSpPr>
+          <p:cNvPr id="2" name="Slide Image Placeholder 1"/>
+          <p:cNvSpPr>
+            <a:spLocks noGrp="1" noRot="1" noChangeAspect="1"/>
+          </p:cNvSpPr>
+          <p:nvPr>
+            <p:ph type="sldImg"/>
+          </p:nvPr>
+        </p:nvSpPr>
+        <p:spPr/>
+      </p:sp>
+      <p:sp>
+        <p:nvSpPr>
+          <p:cNvPr id="3" name="Notes Placeholder 2"/>
+          <p:cNvSpPr>
+            <a:spLocks noGrp="1"/>
+          </p:cNvSpPr>
+          <p:nvPr>
+            <p:ph type="body" idx="1"/>
+          </p:nvPr>
+        </p:nvSpPr>
+        <p:spPr/>
+        <p:txBody>
+          <a:bodyPr/>
+          <a:lstStyle/>
+          <a:p>
+            <a:endParaRPr lang="en-US"/>
+          </a:p>
+        </p:txBody>
+      </p:sp>
+      <p:sp>
+        <p:nvSpPr>
+          <p:cNvPr id="4" name="Slide Number Placeholder 3"/>
+          <p:cNvSpPr>
+            <a:spLocks noGrp="1"/>
+          </p:cNvSpPr>
+          <p:nvPr>
+            <p:ph type="sldNum" sz="quarter" idx="5"/>
+          </p:nvPr>
+        </p:nvSpPr>
+        <p:spPr/>
+        <p:txBody>
+          <a:bodyPr/>
+          <a:lstStyle/>
+          <a:p>
+            <a:fld id="{0F8404DA-2D28-894E-A05F-DC17DE612424}" type="slidenum">
+              <a:rPr lang="en-US" smtClean="0"/>
+              <a:t>24</a:t>
+            </a:fld>
+            <a:endParaRPr lang="en-US"/>
+          </a:p>
+        </p:txBody>
+      </p:sp>
+    </p:spTree>
+    <p:extLst>
+      <p:ext uri="{BB962C8B-B14F-4D97-AF65-F5344CB8AC3E}">
+        <p14:creationId xmlns:p14="http://schemas.microsoft.com/office/powerpoint/2010/main" val="3022500551"/>
+      </p:ext>
+    </p:extLst>
+  </p:cSld>
+  <p:clrMapOvr>
+    <a:masterClrMapping/>
+  </p:clrMapOvr>
+</p:notes>
+</file>
+
+<file path=ppt/notesSlides/notesSlide18.xml><?xml version="1.0" encoding="utf-8"?>
 <p:notes xmlns:a="http://schemas.openxmlformats.org/drawingml/2006/main" xmlns:r="http://schemas.openxmlformats.org/officeDocument/2006/relationships" xmlns:p="http://schemas.openxmlformats.org/presentationml/2006/main">
   <p:cSld>
     <p:spTree>
@@ -1674,10 +2170,7 @@
           <a:bodyPr/>
           <a:lstStyle/>
           <a:p>
-            <a:r>
-              <a:rPr lang="en-US" dirty="0"/>
-              <a:t>Seems like similar values based on r</a:t>
-            </a:r>
+            <a:endParaRPr lang="en-US"/>
           </a:p>
         </p:txBody>
       </p:sp>
@@ -1698,7 +2191,7 @@
           <a:p>
             <a:fld id="{0F8404DA-2D28-894E-A05F-DC17DE612424}" type="slidenum">
               <a:rPr lang="en-US" smtClean="0"/>
-              <a:t>7</a:t>
+              <a:t>3</a:t>
             </a:fld>
             <a:endParaRPr lang="en-US"/>
           </a:p>
@@ -1707,7 +2200,7 @@
     </p:spTree>
     <p:extLst>
       <p:ext uri="{BB962C8B-B14F-4D97-AF65-F5344CB8AC3E}">
-        <p14:creationId xmlns:p14="http://schemas.microsoft.com/office/powerpoint/2010/main" val="1221016138"/>
+        <p14:creationId xmlns:p14="http://schemas.microsoft.com/office/powerpoint/2010/main" val="3399744748"/>
       </p:ext>
     </p:extLst>
   </p:cSld>
@@ -1761,10 +2254,7 @@
           <a:bodyPr/>
           <a:lstStyle/>
           <a:p>
-            <a:r>
-              <a:rPr lang="en-US" dirty="0"/>
-              <a:t>how</a:t>
-            </a:r>
+            <a:endParaRPr lang="en-US"/>
           </a:p>
         </p:txBody>
       </p:sp>
@@ -1785,6 +2275,342 @@
           <a:p>
             <a:fld id="{0F8404DA-2D28-894E-A05F-DC17DE612424}" type="slidenum">
               <a:rPr lang="en-US" smtClean="0"/>
+              <a:t>4</a:t>
+            </a:fld>
+            <a:endParaRPr lang="en-US"/>
+          </a:p>
+        </p:txBody>
+      </p:sp>
+    </p:spTree>
+    <p:extLst>
+      <p:ext uri="{BB962C8B-B14F-4D97-AF65-F5344CB8AC3E}">
+        <p14:creationId xmlns:p14="http://schemas.microsoft.com/office/powerpoint/2010/main" val="434718172"/>
+      </p:ext>
+    </p:extLst>
+  </p:cSld>
+  <p:clrMapOvr>
+    <a:masterClrMapping/>
+  </p:clrMapOvr>
+</p:notes>
+</file>
+
+<file path=ppt/notesSlides/notesSlide5.xml><?xml version="1.0" encoding="utf-8"?>
+<p:notes xmlns:a="http://schemas.openxmlformats.org/drawingml/2006/main" xmlns:r="http://schemas.openxmlformats.org/officeDocument/2006/relationships" xmlns:p="http://schemas.openxmlformats.org/presentationml/2006/main">
+  <p:cSld>
+    <p:spTree>
+      <p:nvGrpSpPr>
+        <p:cNvPr id="1" name=""/>
+        <p:cNvGrpSpPr/>
+        <p:nvPr/>
+      </p:nvGrpSpPr>
+      <p:grpSpPr>
+        <a:xfrm>
+          <a:off x="0" y="0"/>
+          <a:ext cx="0" cy="0"/>
+          <a:chOff x="0" y="0"/>
+          <a:chExt cx="0" cy="0"/>
+        </a:xfrm>
+      </p:grpSpPr>
+      <p:sp>
+        <p:nvSpPr>
+          <p:cNvPr id="2" name="Slide Image Placeholder 1"/>
+          <p:cNvSpPr>
+            <a:spLocks noGrp="1" noRot="1" noChangeAspect="1"/>
+          </p:cNvSpPr>
+          <p:nvPr>
+            <p:ph type="sldImg"/>
+          </p:nvPr>
+        </p:nvSpPr>
+        <p:spPr/>
+      </p:sp>
+      <p:sp>
+        <p:nvSpPr>
+          <p:cNvPr id="3" name="Notes Placeholder 2"/>
+          <p:cNvSpPr>
+            <a:spLocks noGrp="1"/>
+          </p:cNvSpPr>
+          <p:nvPr>
+            <p:ph type="body" idx="1"/>
+          </p:nvPr>
+        </p:nvSpPr>
+        <p:spPr/>
+        <p:txBody>
+          <a:bodyPr/>
+          <a:lstStyle/>
+          <a:p>
+            <a:endParaRPr lang="en-US"/>
+          </a:p>
+        </p:txBody>
+      </p:sp>
+      <p:sp>
+        <p:nvSpPr>
+          <p:cNvPr id="4" name="Slide Number Placeholder 3"/>
+          <p:cNvSpPr>
+            <a:spLocks noGrp="1"/>
+          </p:cNvSpPr>
+          <p:nvPr>
+            <p:ph type="sldNum" sz="quarter" idx="5"/>
+          </p:nvPr>
+        </p:nvSpPr>
+        <p:spPr/>
+        <p:txBody>
+          <a:bodyPr/>
+          <a:lstStyle/>
+          <a:p>
+            <a:fld id="{0F8404DA-2D28-894E-A05F-DC17DE612424}" type="slidenum">
+              <a:rPr lang="en-US" smtClean="0"/>
+              <a:t>5</a:t>
+            </a:fld>
+            <a:endParaRPr lang="en-US"/>
+          </a:p>
+        </p:txBody>
+      </p:sp>
+    </p:spTree>
+    <p:extLst>
+      <p:ext uri="{BB962C8B-B14F-4D97-AF65-F5344CB8AC3E}">
+        <p14:creationId xmlns:p14="http://schemas.microsoft.com/office/powerpoint/2010/main" val="2784061576"/>
+      </p:ext>
+    </p:extLst>
+  </p:cSld>
+  <p:clrMapOvr>
+    <a:masterClrMapping/>
+  </p:clrMapOvr>
+</p:notes>
+</file>
+
+<file path=ppt/notesSlides/notesSlide6.xml><?xml version="1.0" encoding="utf-8"?>
+<p:notes xmlns:a="http://schemas.openxmlformats.org/drawingml/2006/main" xmlns:r="http://schemas.openxmlformats.org/officeDocument/2006/relationships" xmlns:p="http://schemas.openxmlformats.org/presentationml/2006/main">
+  <p:cSld>
+    <p:spTree>
+      <p:nvGrpSpPr>
+        <p:cNvPr id="1" name=""/>
+        <p:cNvGrpSpPr/>
+        <p:nvPr/>
+      </p:nvGrpSpPr>
+      <p:grpSpPr>
+        <a:xfrm>
+          <a:off x="0" y="0"/>
+          <a:ext cx="0" cy="0"/>
+          <a:chOff x="0" y="0"/>
+          <a:chExt cx="0" cy="0"/>
+        </a:xfrm>
+      </p:grpSpPr>
+      <p:sp>
+        <p:nvSpPr>
+          <p:cNvPr id="2" name="Slide Image Placeholder 1"/>
+          <p:cNvSpPr>
+            <a:spLocks noGrp="1" noRot="1" noChangeAspect="1"/>
+          </p:cNvSpPr>
+          <p:nvPr>
+            <p:ph type="sldImg"/>
+          </p:nvPr>
+        </p:nvSpPr>
+        <p:spPr/>
+      </p:sp>
+      <p:sp>
+        <p:nvSpPr>
+          <p:cNvPr id="3" name="Notes Placeholder 2"/>
+          <p:cNvSpPr>
+            <a:spLocks noGrp="1"/>
+          </p:cNvSpPr>
+          <p:nvPr>
+            <p:ph type="body" idx="1"/>
+          </p:nvPr>
+        </p:nvSpPr>
+        <p:spPr/>
+        <p:txBody>
+          <a:bodyPr/>
+          <a:lstStyle/>
+          <a:p>
+            <a:endParaRPr lang="en-US"/>
+          </a:p>
+        </p:txBody>
+      </p:sp>
+      <p:sp>
+        <p:nvSpPr>
+          <p:cNvPr id="4" name="Slide Number Placeholder 3"/>
+          <p:cNvSpPr>
+            <a:spLocks noGrp="1"/>
+          </p:cNvSpPr>
+          <p:nvPr>
+            <p:ph type="sldNum" sz="quarter" idx="5"/>
+          </p:nvPr>
+        </p:nvSpPr>
+        <p:spPr/>
+        <p:txBody>
+          <a:bodyPr/>
+          <a:lstStyle/>
+          <a:p>
+            <a:fld id="{0F8404DA-2D28-894E-A05F-DC17DE612424}" type="slidenum">
+              <a:rPr lang="en-US" smtClean="0"/>
+              <a:t>6</a:t>
+            </a:fld>
+            <a:endParaRPr lang="en-US"/>
+          </a:p>
+        </p:txBody>
+      </p:sp>
+    </p:spTree>
+    <p:extLst>
+      <p:ext uri="{BB962C8B-B14F-4D97-AF65-F5344CB8AC3E}">
+        <p14:creationId xmlns:p14="http://schemas.microsoft.com/office/powerpoint/2010/main" val="378874030"/>
+      </p:ext>
+    </p:extLst>
+  </p:cSld>
+  <p:clrMapOvr>
+    <a:masterClrMapping/>
+  </p:clrMapOvr>
+</p:notes>
+</file>
+
+<file path=ppt/notesSlides/notesSlide7.xml><?xml version="1.0" encoding="utf-8"?>
+<p:notes xmlns:a="http://schemas.openxmlformats.org/drawingml/2006/main" xmlns:r="http://schemas.openxmlformats.org/officeDocument/2006/relationships" xmlns:p="http://schemas.openxmlformats.org/presentationml/2006/main">
+  <p:cSld>
+    <p:spTree>
+      <p:nvGrpSpPr>
+        <p:cNvPr id="1" name=""/>
+        <p:cNvGrpSpPr/>
+        <p:nvPr/>
+      </p:nvGrpSpPr>
+      <p:grpSpPr>
+        <a:xfrm>
+          <a:off x="0" y="0"/>
+          <a:ext cx="0" cy="0"/>
+          <a:chOff x="0" y="0"/>
+          <a:chExt cx="0" cy="0"/>
+        </a:xfrm>
+      </p:grpSpPr>
+      <p:sp>
+        <p:nvSpPr>
+          <p:cNvPr id="2" name="Slide Image Placeholder 1"/>
+          <p:cNvSpPr>
+            <a:spLocks noGrp="1" noRot="1" noChangeAspect="1"/>
+          </p:cNvSpPr>
+          <p:nvPr>
+            <p:ph type="sldImg"/>
+          </p:nvPr>
+        </p:nvSpPr>
+        <p:spPr/>
+      </p:sp>
+      <p:sp>
+        <p:nvSpPr>
+          <p:cNvPr id="3" name="Notes Placeholder 2"/>
+          <p:cNvSpPr>
+            <a:spLocks noGrp="1"/>
+          </p:cNvSpPr>
+          <p:nvPr>
+            <p:ph type="body" idx="1"/>
+          </p:nvPr>
+        </p:nvSpPr>
+        <p:spPr/>
+        <p:txBody>
+          <a:bodyPr/>
+          <a:lstStyle/>
+          <a:p>
+            <a:endParaRPr lang="en-US" dirty="0"/>
+          </a:p>
+        </p:txBody>
+      </p:sp>
+      <p:sp>
+        <p:nvSpPr>
+          <p:cNvPr id="4" name="Slide Number Placeholder 3"/>
+          <p:cNvSpPr>
+            <a:spLocks noGrp="1"/>
+          </p:cNvSpPr>
+          <p:nvPr>
+            <p:ph type="sldNum" sz="quarter" idx="5"/>
+          </p:nvPr>
+        </p:nvSpPr>
+        <p:spPr/>
+        <p:txBody>
+          <a:bodyPr/>
+          <a:lstStyle/>
+          <a:p>
+            <a:fld id="{0F8404DA-2D28-894E-A05F-DC17DE612424}" type="slidenum">
+              <a:rPr lang="en-US" smtClean="0"/>
+              <a:t>7</a:t>
+            </a:fld>
+            <a:endParaRPr lang="en-US"/>
+          </a:p>
+        </p:txBody>
+      </p:sp>
+    </p:spTree>
+    <p:extLst>
+      <p:ext uri="{BB962C8B-B14F-4D97-AF65-F5344CB8AC3E}">
+        <p14:creationId xmlns:p14="http://schemas.microsoft.com/office/powerpoint/2010/main" val="1221016138"/>
+      </p:ext>
+    </p:extLst>
+  </p:cSld>
+  <p:clrMapOvr>
+    <a:masterClrMapping/>
+  </p:clrMapOvr>
+</p:notes>
+</file>
+
+<file path=ppt/notesSlides/notesSlide8.xml><?xml version="1.0" encoding="utf-8"?>
+<p:notes xmlns:a="http://schemas.openxmlformats.org/drawingml/2006/main" xmlns:r="http://schemas.openxmlformats.org/officeDocument/2006/relationships" xmlns:p="http://schemas.openxmlformats.org/presentationml/2006/main">
+  <p:cSld>
+    <p:spTree>
+      <p:nvGrpSpPr>
+        <p:cNvPr id="1" name=""/>
+        <p:cNvGrpSpPr/>
+        <p:nvPr/>
+      </p:nvGrpSpPr>
+      <p:grpSpPr>
+        <a:xfrm>
+          <a:off x="0" y="0"/>
+          <a:ext cx="0" cy="0"/>
+          <a:chOff x="0" y="0"/>
+          <a:chExt cx="0" cy="0"/>
+        </a:xfrm>
+      </p:grpSpPr>
+      <p:sp>
+        <p:nvSpPr>
+          <p:cNvPr id="2" name="Slide Image Placeholder 1"/>
+          <p:cNvSpPr>
+            <a:spLocks noGrp="1" noRot="1" noChangeAspect="1"/>
+          </p:cNvSpPr>
+          <p:nvPr>
+            <p:ph type="sldImg"/>
+          </p:nvPr>
+        </p:nvSpPr>
+        <p:spPr/>
+      </p:sp>
+      <p:sp>
+        <p:nvSpPr>
+          <p:cNvPr id="3" name="Notes Placeholder 2"/>
+          <p:cNvSpPr>
+            <a:spLocks noGrp="1"/>
+          </p:cNvSpPr>
+          <p:nvPr>
+            <p:ph type="body" idx="1"/>
+          </p:nvPr>
+        </p:nvSpPr>
+        <p:spPr/>
+        <p:txBody>
+          <a:bodyPr/>
+          <a:lstStyle/>
+          <a:p>
+            <a:endParaRPr lang="en-US" dirty="0"/>
+          </a:p>
+        </p:txBody>
+      </p:sp>
+      <p:sp>
+        <p:nvSpPr>
+          <p:cNvPr id="4" name="Slide Number Placeholder 3"/>
+          <p:cNvSpPr>
+            <a:spLocks noGrp="1"/>
+          </p:cNvSpPr>
+          <p:nvPr>
+            <p:ph type="sldNum" sz="quarter" idx="5"/>
+          </p:nvPr>
+        </p:nvSpPr>
+        <p:spPr/>
+        <p:txBody>
+          <a:bodyPr/>
+          <a:lstStyle/>
+          <a:p>
+            <a:fld id="{0F8404DA-2D28-894E-A05F-DC17DE612424}" type="slidenum">
+              <a:rPr lang="en-US" smtClean="0"/>
               <a:t>8</a:t>
             </a:fld>
             <a:endParaRPr lang="en-US"/>
@@ -1804,18 +2630,12 @@
 </p:notes>
 </file>
 
-<file path=ppt/notesSlides/notesSlide5.xml><?xml version="1.0" encoding="utf-8"?>
+<file path=ppt/notesSlides/notesSlide9.xml><?xml version="1.0" encoding="utf-8"?>
 <p:notes xmlns:a="http://schemas.openxmlformats.org/drawingml/2006/main" xmlns:r="http://schemas.openxmlformats.org/officeDocument/2006/relationships" xmlns:p="http://schemas.openxmlformats.org/presentationml/2006/main">
   <p:cSld>
     <p:spTree>
       <p:nvGrpSpPr>
-        <p:cNvPr id="1" name="">
-          <a:extLst>
-            <a:ext uri="{FF2B5EF4-FFF2-40B4-BE49-F238E27FC236}">
-              <a16:creationId xmlns:a16="http://schemas.microsoft.com/office/drawing/2014/main" id="{45EAAFC7-7366-1436-CF6E-720C431F97BD}"/>
-            </a:ext>
-          </a:extLst>
-        </p:cNvPr>
+        <p:cNvPr id="1" name=""/>
         <p:cNvGrpSpPr/>
         <p:nvPr/>
       </p:nvGrpSpPr>
@@ -1829,13 +2649,7 @@
       </p:grpSpPr>
       <p:sp>
         <p:nvSpPr>
-          <p:cNvPr id="2" name="Slide Image Placeholder 1">
-            <a:extLst>
-              <a:ext uri="{FF2B5EF4-FFF2-40B4-BE49-F238E27FC236}">
-                <a16:creationId xmlns:a16="http://schemas.microsoft.com/office/drawing/2014/main" id="{F902609C-5137-9D2B-3918-A2999E2AEC4D}"/>
-              </a:ext>
-            </a:extLst>
-          </p:cNvPr>
+          <p:cNvPr id="2" name="Slide Image Placeholder 1"/>
           <p:cNvSpPr>
             <a:spLocks noGrp="1" noRot="1" noChangeAspect="1"/>
           </p:cNvSpPr>
@@ -1847,13 +2661,7 @@
       </p:sp>
       <p:sp>
         <p:nvSpPr>
-          <p:cNvPr id="3" name="Notes Placeholder 2">
-            <a:extLst>
-              <a:ext uri="{FF2B5EF4-FFF2-40B4-BE49-F238E27FC236}">
-                <a16:creationId xmlns:a16="http://schemas.microsoft.com/office/drawing/2014/main" id="{923D18B7-359C-360F-EDD3-A235EB48BFB6}"/>
-              </a:ext>
-            </a:extLst>
-          </p:cNvPr>
+          <p:cNvPr id="3" name="Notes Placeholder 2"/>
           <p:cNvSpPr>
             <a:spLocks noGrp="1"/>
           </p:cNvSpPr>
@@ -1866,19 +2674,13 @@
           <a:bodyPr/>
           <a:lstStyle/>
           <a:p>
-            <a:endParaRPr lang="en-US" dirty="0"/>
+            <a:endParaRPr lang="en-US"/>
           </a:p>
         </p:txBody>
       </p:sp>
       <p:sp>
         <p:nvSpPr>
-          <p:cNvPr id="4" name="Slide Number Placeholder 3">
-            <a:extLst>
-              <a:ext uri="{FF2B5EF4-FFF2-40B4-BE49-F238E27FC236}">
-                <a16:creationId xmlns:a16="http://schemas.microsoft.com/office/drawing/2014/main" id="{06023775-BD23-66C6-5541-2E4B8D051999}"/>
-              </a:ext>
-            </a:extLst>
-          </p:cNvPr>
+          <p:cNvPr id="4" name="Slide Number Placeholder 3"/>
           <p:cNvSpPr>
             <a:spLocks noGrp="1"/>
           </p:cNvSpPr>
@@ -1893,7 +2695,7 @@
           <a:p>
             <a:fld id="{0F8404DA-2D28-894E-A05F-DC17DE612424}" type="slidenum">
               <a:rPr lang="en-US" smtClean="0"/>
-              <a:t>10</a:t>
+              <a:t>9</a:t>
             </a:fld>
             <a:endParaRPr lang="en-US"/>
           </a:p>
@@ -1902,439 +2704,7 @@
     </p:spTree>
     <p:extLst>
       <p:ext uri="{BB962C8B-B14F-4D97-AF65-F5344CB8AC3E}">
-        <p14:creationId xmlns:p14="http://schemas.microsoft.com/office/powerpoint/2010/main" val="1950047796"/>
-      </p:ext>
-    </p:extLst>
-  </p:cSld>
-  <p:clrMapOvr>
-    <a:masterClrMapping/>
-  </p:clrMapOvr>
-</p:notes>
-</file>
-
-<file path=ppt/notesSlides/notesSlide6.xml><?xml version="1.0" encoding="utf-8"?>
-<p:notes xmlns:a="http://schemas.openxmlformats.org/drawingml/2006/main" xmlns:r="http://schemas.openxmlformats.org/officeDocument/2006/relationships" xmlns:p="http://schemas.openxmlformats.org/presentationml/2006/main">
-  <p:cSld>
-    <p:spTree>
-      <p:nvGrpSpPr>
-        <p:cNvPr id="1" name="">
-          <a:extLst>
-            <a:ext uri="{FF2B5EF4-FFF2-40B4-BE49-F238E27FC236}">
-              <a16:creationId xmlns:a16="http://schemas.microsoft.com/office/drawing/2014/main" id="{05A06AD7-F8B8-F931-1548-462C86211DD0}"/>
-            </a:ext>
-          </a:extLst>
-        </p:cNvPr>
-        <p:cNvGrpSpPr/>
-        <p:nvPr/>
-      </p:nvGrpSpPr>
-      <p:grpSpPr>
-        <a:xfrm>
-          <a:off x="0" y="0"/>
-          <a:ext cx="0" cy="0"/>
-          <a:chOff x="0" y="0"/>
-          <a:chExt cx="0" cy="0"/>
-        </a:xfrm>
-      </p:grpSpPr>
-      <p:sp>
-        <p:nvSpPr>
-          <p:cNvPr id="2" name="Slide Image Placeholder 1">
-            <a:extLst>
-              <a:ext uri="{FF2B5EF4-FFF2-40B4-BE49-F238E27FC236}">
-                <a16:creationId xmlns:a16="http://schemas.microsoft.com/office/drawing/2014/main" id="{C17968CC-9472-1417-4D97-C1B2333E9D68}"/>
-              </a:ext>
-            </a:extLst>
-          </p:cNvPr>
-          <p:cNvSpPr>
-            <a:spLocks noGrp="1" noRot="1" noChangeAspect="1"/>
-          </p:cNvSpPr>
-          <p:nvPr>
-            <p:ph type="sldImg"/>
-          </p:nvPr>
-        </p:nvSpPr>
-        <p:spPr/>
-      </p:sp>
-      <p:sp>
-        <p:nvSpPr>
-          <p:cNvPr id="3" name="Notes Placeholder 2">
-            <a:extLst>
-              <a:ext uri="{FF2B5EF4-FFF2-40B4-BE49-F238E27FC236}">
-                <a16:creationId xmlns:a16="http://schemas.microsoft.com/office/drawing/2014/main" id="{22A386D4-AC1F-6B01-07BC-D5EF54B4F3D8}"/>
-              </a:ext>
-            </a:extLst>
-          </p:cNvPr>
-          <p:cNvSpPr>
-            <a:spLocks noGrp="1"/>
-          </p:cNvSpPr>
-          <p:nvPr>
-            <p:ph type="body" idx="1"/>
-          </p:nvPr>
-        </p:nvSpPr>
-        <p:spPr/>
-        <p:txBody>
-          <a:bodyPr/>
-          <a:lstStyle/>
-          <a:p>
-            <a:endParaRPr lang="en-US" dirty="0"/>
-          </a:p>
-        </p:txBody>
-      </p:sp>
-      <p:sp>
-        <p:nvSpPr>
-          <p:cNvPr id="4" name="Slide Number Placeholder 3">
-            <a:extLst>
-              <a:ext uri="{FF2B5EF4-FFF2-40B4-BE49-F238E27FC236}">
-                <a16:creationId xmlns:a16="http://schemas.microsoft.com/office/drawing/2014/main" id="{AE0E3765-F9A3-2195-C0E3-6153A9A3EB60}"/>
-              </a:ext>
-            </a:extLst>
-          </p:cNvPr>
-          <p:cNvSpPr>
-            <a:spLocks noGrp="1"/>
-          </p:cNvSpPr>
-          <p:nvPr>
-            <p:ph type="sldNum" sz="quarter" idx="5"/>
-          </p:nvPr>
-        </p:nvSpPr>
-        <p:spPr/>
-        <p:txBody>
-          <a:bodyPr/>
-          <a:lstStyle/>
-          <a:p>
-            <a:fld id="{0F8404DA-2D28-894E-A05F-DC17DE612424}" type="slidenum">
-              <a:rPr lang="en-US" smtClean="0"/>
-              <a:t>11</a:t>
-            </a:fld>
-            <a:endParaRPr lang="en-US"/>
-          </a:p>
-        </p:txBody>
-      </p:sp>
-    </p:spTree>
-    <p:extLst>
-      <p:ext uri="{BB962C8B-B14F-4D97-AF65-F5344CB8AC3E}">
-        <p14:creationId xmlns:p14="http://schemas.microsoft.com/office/powerpoint/2010/main" val="1856077374"/>
-      </p:ext>
-    </p:extLst>
-  </p:cSld>
-  <p:clrMapOvr>
-    <a:masterClrMapping/>
-  </p:clrMapOvr>
-</p:notes>
-</file>
-
-<file path=ppt/notesSlides/notesSlide7.xml><?xml version="1.0" encoding="utf-8"?>
-<p:notes xmlns:a="http://schemas.openxmlformats.org/drawingml/2006/main" xmlns:r="http://schemas.openxmlformats.org/officeDocument/2006/relationships" xmlns:p="http://schemas.openxmlformats.org/presentationml/2006/main">
-  <p:cSld>
-    <p:spTree>
-      <p:nvGrpSpPr>
-        <p:cNvPr id="1" name="">
-          <a:extLst>
-            <a:ext uri="{FF2B5EF4-FFF2-40B4-BE49-F238E27FC236}">
-              <a16:creationId xmlns:a16="http://schemas.microsoft.com/office/drawing/2014/main" id="{59DB1B0F-24AB-CF9D-BC6D-6364A5A4532C}"/>
-            </a:ext>
-          </a:extLst>
-        </p:cNvPr>
-        <p:cNvGrpSpPr/>
-        <p:nvPr/>
-      </p:nvGrpSpPr>
-      <p:grpSpPr>
-        <a:xfrm>
-          <a:off x="0" y="0"/>
-          <a:ext cx="0" cy="0"/>
-          <a:chOff x="0" y="0"/>
-          <a:chExt cx="0" cy="0"/>
-        </a:xfrm>
-      </p:grpSpPr>
-      <p:sp>
-        <p:nvSpPr>
-          <p:cNvPr id="2" name="Slide Image Placeholder 1">
-            <a:extLst>
-              <a:ext uri="{FF2B5EF4-FFF2-40B4-BE49-F238E27FC236}">
-                <a16:creationId xmlns:a16="http://schemas.microsoft.com/office/drawing/2014/main" id="{2314ADD7-E438-DC63-C478-6E7A97DB0460}"/>
-              </a:ext>
-            </a:extLst>
-          </p:cNvPr>
-          <p:cNvSpPr>
-            <a:spLocks noGrp="1" noRot="1" noChangeAspect="1"/>
-          </p:cNvSpPr>
-          <p:nvPr>
-            <p:ph type="sldImg"/>
-          </p:nvPr>
-        </p:nvSpPr>
-        <p:spPr/>
-      </p:sp>
-      <p:sp>
-        <p:nvSpPr>
-          <p:cNvPr id="3" name="Notes Placeholder 2">
-            <a:extLst>
-              <a:ext uri="{FF2B5EF4-FFF2-40B4-BE49-F238E27FC236}">
-                <a16:creationId xmlns:a16="http://schemas.microsoft.com/office/drawing/2014/main" id="{F8F013CE-260E-8631-B4F3-C54D600EF970}"/>
-              </a:ext>
-            </a:extLst>
-          </p:cNvPr>
-          <p:cNvSpPr>
-            <a:spLocks noGrp="1"/>
-          </p:cNvSpPr>
-          <p:nvPr>
-            <p:ph type="body" idx="1"/>
-          </p:nvPr>
-        </p:nvSpPr>
-        <p:spPr/>
-        <p:txBody>
-          <a:bodyPr/>
-          <a:lstStyle/>
-          <a:p>
-            <a:endParaRPr lang="en-US" dirty="0"/>
-          </a:p>
-        </p:txBody>
-      </p:sp>
-      <p:sp>
-        <p:nvSpPr>
-          <p:cNvPr id="4" name="Slide Number Placeholder 3">
-            <a:extLst>
-              <a:ext uri="{FF2B5EF4-FFF2-40B4-BE49-F238E27FC236}">
-                <a16:creationId xmlns:a16="http://schemas.microsoft.com/office/drawing/2014/main" id="{B976AC91-7E78-EAE5-BA93-4717D76BBA5E}"/>
-              </a:ext>
-            </a:extLst>
-          </p:cNvPr>
-          <p:cNvSpPr>
-            <a:spLocks noGrp="1"/>
-          </p:cNvSpPr>
-          <p:nvPr>
-            <p:ph type="sldNum" sz="quarter" idx="5"/>
-          </p:nvPr>
-        </p:nvSpPr>
-        <p:spPr/>
-        <p:txBody>
-          <a:bodyPr/>
-          <a:lstStyle/>
-          <a:p>
-            <a:fld id="{0F8404DA-2D28-894E-A05F-DC17DE612424}" type="slidenum">
-              <a:rPr lang="en-US" smtClean="0"/>
-              <a:t>12</a:t>
-            </a:fld>
-            <a:endParaRPr lang="en-US"/>
-          </a:p>
-        </p:txBody>
-      </p:sp>
-    </p:spTree>
-    <p:extLst>
-      <p:ext uri="{BB962C8B-B14F-4D97-AF65-F5344CB8AC3E}">
-        <p14:creationId xmlns:p14="http://schemas.microsoft.com/office/powerpoint/2010/main" val="204694736"/>
-      </p:ext>
-    </p:extLst>
-  </p:cSld>
-  <p:clrMapOvr>
-    <a:masterClrMapping/>
-  </p:clrMapOvr>
-</p:notes>
-</file>
-
-<file path=ppt/notesSlides/notesSlide8.xml><?xml version="1.0" encoding="utf-8"?>
-<p:notes xmlns:a="http://schemas.openxmlformats.org/drawingml/2006/main" xmlns:r="http://schemas.openxmlformats.org/officeDocument/2006/relationships" xmlns:p="http://schemas.openxmlformats.org/presentationml/2006/main">
-  <p:cSld>
-    <p:spTree>
-      <p:nvGrpSpPr>
-        <p:cNvPr id="1" name="">
-          <a:extLst>
-            <a:ext uri="{FF2B5EF4-FFF2-40B4-BE49-F238E27FC236}">
-              <a16:creationId xmlns:a16="http://schemas.microsoft.com/office/drawing/2014/main" id="{FDEABCDF-06BA-EDCD-BD18-AD30CF1FBA2D}"/>
-            </a:ext>
-          </a:extLst>
-        </p:cNvPr>
-        <p:cNvGrpSpPr/>
-        <p:nvPr/>
-      </p:nvGrpSpPr>
-      <p:grpSpPr>
-        <a:xfrm>
-          <a:off x="0" y="0"/>
-          <a:ext cx="0" cy="0"/>
-          <a:chOff x="0" y="0"/>
-          <a:chExt cx="0" cy="0"/>
-        </a:xfrm>
-      </p:grpSpPr>
-      <p:sp>
-        <p:nvSpPr>
-          <p:cNvPr id="2" name="Slide Image Placeholder 1">
-            <a:extLst>
-              <a:ext uri="{FF2B5EF4-FFF2-40B4-BE49-F238E27FC236}">
-                <a16:creationId xmlns:a16="http://schemas.microsoft.com/office/drawing/2014/main" id="{530E7EB5-2327-9D2E-7B67-A17890384761}"/>
-              </a:ext>
-            </a:extLst>
-          </p:cNvPr>
-          <p:cNvSpPr>
-            <a:spLocks noGrp="1" noRot="1" noChangeAspect="1"/>
-          </p:cNvSpPr>
-          <p:nvPr>
-            <p:ph type="sldImg"/>
-          </p:nvPr>
-        </p:nvSpPr>
-        <p:spPr/>
-      </p:sp>
-      <p:sp>
-        <p:nvSpPr>
-          <p:cNvPr id="3" name="Notes Placeholder 2">
-            <a:extLst>
-              <a:ext uri="{FF2B5EF4-FFF2-40B4-BE49-F238E27FC236}">
-                <a16:creationId xmlns:a16="http://schemas.microsoft.com/office/drawing/2014/main" id="{2119359C-0645-5DD7-2860-8EA50877DEAA}"/>
-              </a:ext>
-            </a:extLst>
-          </p:cNvPr>
-          <p:cNvSpPr>
-            <a:spLocks noGrp="1"/>
-          </p:cNvSpPr>
-          <p:nvPr>
-            <p:ph type="body" idx="1"/>
-          </p:nvPr>
-        </p:nvSpPr>
-        <p:spPr/>
-        <p:txBody>
-          <a:bodyPr/>
-          <a:lstStyle/>
-          <a:p>
-            <a:endParaRPr lang="en-US" dirty="0"/>
-          </a:p>
-        </p:txBody>
-      </p:sp>
-      <p:sp>
-        <p:nvSpPr>
-          <p:cNvPr id="4" name="Slide Number Placeholder 3">
-            <a:extLst>
-              <a:ext uri="{FF2B5EF4-FFF2-40B4-BE49-F238E27FC236}">
-                <a16:creationId xmlns:a16="http://schemas.microsoft.com/office/drawing/2014/main" id="{894136A2-1A83-953C-4B5F-2173B9C72806}"/>
-              </a:ext>
-            </a:extLst>
-          </p:cNvPr>
-          <p:cNvSpPr>
-            <a:spLocks noGrp="1"/>
-          </p:cNvSpPr>
-          <p:nvPr>
-            <p:ph type="sldNum" sz="quarter" idx="5"/>
-          </p:nvPr>
-        </p:nvSpPr>
-        <p:spPr/>
-        <p:txBody>
-          <a:bodyPr/>
-          <a:lstStyle/>
-          <a:p>
-            <a:fld id="{0F8404DA-2D28-894E-A05F-DC17DE612424}" type="slidenum">
-              <a:rPr lang="en-US" smtClean="0"/>
-              <a:t>15</a:t>
-            </a:fld>
-            <a:endParaRPr lang="en-US"/>
-          </a:p>
-        </p:txBody>
-      </p:sp>
-    </p:spTree>
-    <p:extLst>
-      <p:ext uri="{BB962C8B-B14F-4D97-AF65-F5344CB8AC3E}">
-        <p14:creationId xmlns:p14="http://schemas.microsoft.com/office/powerpoint/2010/main" val="650011864"/>
-      </p:ext>
-    </p:extLst>
-  </p:cSld>
-  <p:clrMapOvr>
-    <a:masterClrMapping/>
-  </p:clrMapOvr>
-</p:notes>
-</file>
-
-<file path=ppt/notesSlides/notesSlide9.xml><?xml version="1.0" encoding="utf-8"?>
-<p:notes xmlns:a="http://schemas.openxmlformats.org/drawingml/2006/main" xmlns:r="http://schemas.openxmlformats.org/officeDocument/2006/relationships" xmlns:p="http://schemas.openxmlformats.org/presentationml/2006/main">
-  <p:cSld>
-    <p:spTree>
-      <p:nvGrpSpPr>
-        <p:cNvPr id="1" name="">
-          <a:extLst>
-            <a:ext uri="{FF2B5EF4-FFF2-40B4-BE49-F238E27FC236}">
-              <a16:creationId xmlns:a16="http://schemas.microsoft.com/office/drawing/2014/main" id="{5F3A9D1C-08F1-EC02-1F58-9CACD7DA5B48}"/>
-            </a:ext>
-          </a:extLst>
-        </p:cNvPr>
-        <p:cNvGrpSpPr/>
-        <p:nvPr/>
-      </p:nvGrpSpPr>
-      <p:grpSpPr>
-        <a:xfrm>
-          <a:off x="0" y="0"/>
-          <a:ext cx="0" cy="0"/>
-          <a:chOff x="0" y="0"/>
-          <a:chExt cx="0" cy="0"/>
-        </a:xfrm>
-      </p:grpSpPr>
-      <p:sp>
-        <p:nvSpPr>
-          <p:cNvPr id="2" name="Slide Image Placeholder 1">
-            <a:extLst>
-              <a:ext uri="{FF2B5EF4-FFF2-40B4-BE49-F238E27FC236}">
-                <a16:creationId xmlns:a16="http://schemas.microsoft.com/office/drawing/2014/main" id="{35C17E92-D9C9-444D-524A-CC342B7D719B}"/>
-              </a:ext>
-            </a:extLst>
-          </p:cNvPr>
-          <p:cNvSpPr>
-            <a:spLocks noGrp="1" noRot="1" noChangeAspect="1"/>
-          </p:cNvSpPr>
-          <p:nvPr>
-            <p:ph type="sldImg"/>
-          </p:nvPr>
-        </p:nvSpPr>
-        <p:spPr/>
-      </p:sp>
-      <p:sp>
-        <p:nvSpPr>
-          <p:cNvPr id="3" name="Notes Placeholder 2">
-            <a:extLst>
-              <a:ext uri="{FF2B5EF4-FFF2-40B4-BE49-F238E27FC236}">
-                <a16:creationId xmlns:a16="http://schemas.microsoft.com/office/drawing/2014/main" id="{FF0B004B-C094-F2E4-B63F-4F9487DC0166}"/>
-              </a:ext>
-            </a:extLst>
-          </p:cNvPr>
-          <p:cNvSpPr>
-            <a:spLocks noGrp="1"/>
-          </p:cNvSpPr>
-          <p:nvPr>
-            <p:ph type="body" idx="1"/>
-          </p:nvPr>
-        </p:nvSpPr>
-        <p:spPr/>
-        <p:txBody>
-          <a:bodyPr/>
-          <a:lstStyle/>
-          <a:p>
-            <a:endParaRPr lang="en-US" dirty="0"/>
-          </a:p>
-        </p:txBody>
-      </p:sp>
-      <p:sp>
-        <p:nvSpPr>
-          <p:cNvPr id="4" name="Slide Number Placeholder 3">
-            <a:extLst>
-              <a:ext uri="{FF2B5EF4-FFF2-40B4-BE49-F238E27FC236}">
-                <a16:creationId xmlns:a16="http://schemas.microsoft.com/office/drawing/2014/main" id="{5D7B63FB-0A62-80EF-7398-369C612C601D}"/>
-              </a:ext>
-            </a:extLst>
-          </p:cNvPr>
-          <p:cNvSpPr>
-            <a:spLocks noGrp="1"/>
-          </p:cNvSpPr>
-          <p:nvPr>
-            <p:ph type="sldNum" sz="quarter" idx="5"/>
-          </p:nvPr>
-        </p:nvSpPr>
-        <p:spPr/>
-        <p:txBody>
-          <a:bodyPr/>
-          <a:lstStyle/>
-          <a:p>
-            <a:fld id="{0F8404DA-2D28-894E-A05F-DC17DE612424}" type="slidenum">
-              <a:rPr lang="en-US" smtClean="0"/>
-              <a:t>19</a:t>
-            </a:fld>
-            <a:endParaRPr lang="en-US"/>
-          </a:p>
-        </p:txBody>
-      </p:sp>
-    </p:spTree>
-    <p:extLst>
-      <p:ext uri="{BB962C8B-B14F-4D97-AF65-F5344CB8AC3E}">
-        <p14:creationId xmlns:p14="http://schemas.microsoft.com/office/powerpoint/2010/main" val="277605947"/>
+        <p14:creationId xmlns:p14="http://schemas.microsoft.com/office/powerpoint/2010/main" val="3506763901"/>
       </p:ext>
     </p:extLst>
   </p:cSld>
@@ -11365,7 +11735,7 @@
           <p:nvPr/>
         </p:nvPicPr>
         <p:blipFill>
-          <a:blip r:embed="rId2"/>
+          <a:blip r:embed="rId3"/>
           <a:stretch>
             <a:fillRect/>
           </a:stretch>
@@ -11395,7 +11765,7 @@
           <p:nvPr/>
         </p:nvPicPr>
         <p:blipFill>
-          <a:blip r:embed="rId3"/>
+          <a:blip r:embed="rId4"/>
           <a:stretch>
             <a:fillRect/>
           </a:stretch>

--- a/Lecture 2/Lecture 2.pptx
+++ b/Lecture 2/Lecture 2.pptx
@@ -129,14 +129,6 @@
 </p:presentation>
 </file>
 
-<file path=ppt/revisionInfo.xml><?xml version="1.0" encoding="utf-8"?>
-<p1510:revInfo xmlns:a="http://schemas.openxmlformats.org/drawingml/2006/main" xmlns:r="http://schemas.openxmlformats.org/officeDocument/2006/relationships" xmlns:p1510="http://schemas.microsoft.com/office/powerpoint/2015/10/main">
-  <p1510:revLst>
-    <p1510:client id="{8F23145C-A13B-A342-8814-4A755A7320F9}" v="14" dt="2025-05-19T23:12:59.117"/>
-  </p1510:revLst>
-</p1510:revInfo>
-</file>
-
 <file path=ppt/changesInfos/changesInfo1.xml><?xml version="1.0" encoding="utf-8"?>
 <pc:chgInfo xmlns:a="http://schemas.openxmlformats.org/drawingml/2006/main" xmlns:r="http://schemas.openxmlformats.org/officeDocument/2006/relationships" xmlns:ac="http://schemas.microsoft.com/office/drawing/2013/main/command" xmlns:pc="http://schemas.microsoft.com/office/powerpoint/2013/main/command">
   <pc:docChgLst>
@@ -152,110 +144,6 @@
           <pc:docMk/>
           <pc:sldMk cId="0" sldId="257"/>
         </pc:sldMkLst>
-        <pc:spChg chg="add del mod">
-          <ac:chgData name="Sonia Tara Hegde" userId="d93a2558-a889-4521-bcb4-6ed3fce9e012" providerId="ADAL" clId="{8F23145C-A13B-A342-8814-4A755A7320F9}" dt="2025-05-19T23:12:18.274" v="558" actId="478"/>
-          <ac:spMkLst>
-            <pc:docMk/>
-            <pc:sldMk cId="0" sldId="257"/>
-            <ac:spMk id="2" creationId="{00000000-0000-0000-0000-000000000000}"/>
-          </ac:spMkLst>
-        </pc:spChg>
-        <pc:spChg chg="del mod">
-          <ac:chgData name="Sonia Tara Hegde" userId="d93a2558-a889-4521-bcb4-6ed3fce9e012" providerId="ADAL" clId="{8F23145C-A13B-A342-8814-4A755A7320F9}" dt="2025-05-19T23:12:18.274" v="558" actId="478"/>
-          <ac:spMkLst>
-            <pc:docMk/>
-            <pc:sldMk cId="0" sldId="257"/>
-            <ac:spMk id="3" creationId="{00000000-0000-0000-0000-000000000000}"/>
-          </ac:spMkLst>
-        </pc:spChg>
-        <pc:spChg chg="mod">
-          <ac:chgData name="Sonia Tara Hegde" userId="d93a2558-a889-4521-bcb4-6ed3fce9e012" providerId="ADAL" clId="{8F23145C-A13B-A342-8814-4A755A7320F9}" dt="2025-05-19T23:12:06.166" v="557" actId="1036"/>
-          <ac:spMkLst>
-            <pc:docMk/>
-            <pc:sldMk cId="0" sldId="257"/>
-            <ac:spMk id="4" creationId="{00000000-0000-0000-0000-000000000000}"/>
-          </ac:spMkLst>
-        </pc:spChg>
-        <pc:spChg chg="del mod">
-          <ac:chgData name="Sonia Tara Hegde" userId="d93a2558-a889-4521-bcb4-6ed3fce9e012" providerId="ADAL" clId="{8F23145C-A13B-A342-8814-4A755A7320F9}" dt="2025-05-19T23:12:18.274" v="558" actId="478"/>
-          <ac:spMkLst>
-            <pc:docMk/>
-            <pc:sldMk cId="0" sldId="257"/>
-            <ac:spMk id="5" creationId="{00000000-0000-0000-0000-000000000000}"/>
-          </ac:spMkLst>
-        </pc:spChg>
-        <pc:spChg chg="del mod">
-          <ac:chgData name="Sonia Tara Hegde" userId="d93a2558-a889-4521-bcb4-6ed3fce9e012" providerId="ADAL" clId="{8F23145C-A13B-A342-8814-4A755A7320F9}" dt="2025-05-19T23:12:18.274" v="558" actId="478"/>
-          <ac:spMkLst>
-            <pc:docMk/>
-            <pc:sldMk cId="0" sldId="257"/>
-            <ac:spMk id="6" creationId="{00000000-0000-0000-0000-000000000000}"/>
-          </ac:spMkLst>
-        </pc:spChg>
-        <pc:spChg chg="del mod">
-          <ac:chgData name="Sonia Tara Hegde" userId="d93a2558-a889-4521-bcb4-6ed3fce9e012" providerId="ADAL" clId="{8F23145C-A13B-A342-8814-4A755A7320F9}" dt="2025-05-19T23:12:18.274" v="558" actId="478"/>
-          <ac:spMkLst>
-            <pc:docMk/>
-            <pc:sldMk cId="0" sldId="257"/>
-            <ac:spMk id="7" creationId="{00000000-0000-0000-0000-000000000000}"/>
-          </ac:spMkLst>
-        </pc:spChg>
-        <pc:spChg chg="del mod">
-          <ac:chgData name="Sonia Tara Hegde" userId="d93a2558-a889-4521-bcb4-6ed3fce9e012" providerId="ADAL" clId="{8F23145C-A13B-A342-8814-4A755A7320F9}" dt="2025-05-19T23:12:18.274" v="558" actId="478"/>
-          <ac:spMkLst>
-            <pc:docMk/>
-            <pc:sldMk cId="0" sldId="257"/>
-            <ac:spMk id="8" creationId="{00000000-0000-0000-0000-000000000000}"/>
-          </ac:spMkLst>
-        </pc:spChg>
-        <pc:spChg chg="del mod">
-          <ac:chgData name="Sonia Tara Hegde" userId="d93a2558-a889-4521-bcb4-6ed3fce9e012" providerId="ADAL" clId="{8F23145C-A13B-A342-8814-4A755A7320F9}" dt="2025-05-19T23:12:18.274" v="558" actId="478"/>
-          <ac:spMkLst>
-            <pc:docMk/>
-            <pc:sldMk cId="0" sldId="257"/>
-            <ac:spMk id="10" creationId="{00000000-0000-0000-0000-000000000000}"/>
-          </ac:spMkLst>
-        </pc:spChg>
-        <pc:spChg chg="del mod">
-          <ac:chgData name="Sonia Tara Hegde" userId="d93a2558-a889-4521-bcb4-6ed3fce9e012" providerId="ADAL" clId="{8F23145C-A13B-A342-8814-4A755A7320F9}" dt="2025-05-19T23:12:18.274" v="558" actId="478"/>
-          <ac:spMkLst>
-            <pc:docMk/>
-            <pc:sldMk cId="0" sldId="257"/>
-            <ac:spMk id="11" creationId="{00000000-0000-0000-0000-000000000000}"/>
-          </ac:spMkLst>
-        </pc:spChg>
-        <pc:spChg chg="del mod">
-          <ac:chgData name="Sonia Tara Hegde" userId="d93a2558-a889-4521-bcb4-6ed3fce9e012" providerId="ADAL" clId="{8F23145C-A13B-A342-8814-4A755A7320F9}" dt="2025-05-19T23:12:18.274" v="558" actId="478"/>
-          <ac:spMkLst>
-            <pc:docMk/>
-            <pc:sldMk cId="0" sldId="257"/>
-            <ac:spMk id="13" creationId="{00000000-0000-0000-0000-000000000000}"/>
-          </ac:spMkLst>
-        </pc:spChg>
-        <pc:spChg chg="del mod">
-          <ac:chgData name="Sonia Tara Hegde" userId="d93a2558-a889-4521-bcb4-6ed3fce9e012" providerId="ADAL" clId="{8F23145C-A13B-A342-8814-4A755A7320F9}" dt="2025-05-19T23:12:18.274" v="558" actId="478"/>
-          <ac:spMkLst>
-            <pc:docMk/>
-            <pc:sldMk cId="0" sldId="257"/>
-            <ac:spMk id="14" creationId="{00000000-0000-0000-0000-000000000000}"/>
-          </ac:spMkLst>
-        </pc:spChg>
-        <pc:spChg chg="mod">
-          <ac:chgData name="Sonia Tara Hegde" userId="d93a2558-a889-4521-bcb4-6ed3fce9e012" providerId="ADAL" clId="{8F23145C-A13B-A342-8814-4A755A7320F9}" dt="2025-05-19T23:09:26.530" v="467"/>
-          <ac:spMkLst>
-            <pc:docMk/>
-            <pc:sldMk cId="0" sldId="257"/>
-            <ac:spMk id="15" creationId="{00000000-0000-0000-0000-000000000000}"/>
-          </ac:spMkLst>
-        </pc:spChg>
-        <pc:picChg chg="add mod">
-          <ac:chgData name="Sonia Tara Hegde" userId="d93a2558-a889-4521-bcb4-6ed3fce9e012" providerId="ADAL" clId="{8F23145C-A13B-A342-8814-4A755A7320F9}" dt="2025-05-19T23:12:31.819" v="562" actId="14100"/>
-          <ac:picMkLst>
-            <pc:docMk/>
-            <pc:sldMk cId="0" sldId="257"/>
-            <ac:picMk id="16" creationId="{32C51CF5-DE19-199D-612C-33558CE3A7C3}"/>
-          </ac:picMkLst>
-        </pc:picChg>
       </pc:sldChg>
       <pc:sldChg chg="modSp del mod">
         <pc:chgData name="Sonia Tara Hegde" userId="d93a2558-a889-4521-bcb4-6ed3fce9e012" providerId="ADAL" clId="{8F23145C-A13B-A342-8814-4A755A7320F9}" dt="2025-05-13T22:08:55.192" v="145" actId="2696"/>
@@ -270,14 +158,6 @@
           <pc:docMk/>
           <pc:sldMk cId="0" sldId="258"/>
         </pc:sldMkLst>
-        <pc:spChg chg="mod">
-          <ac:chgData name="Sonia Tara Hegde" userId="d93a2558-a889-4521-bcb4-6ed3fce9e012" providerId="ADAL" clId="{8F23145C-A13B-A342-8814-4A755A7320F9}" dt="2025-05-19T16:30:38.848" v="158" actId="113"/>
-          <ac:spMkLst>
-            <pc:docMk/>
-            <pc:sldMk cId="0" sldId="258"/>
-            <ac:spMk id="3" creationId="{00000000-0000-0000-0000-000000000000}"/>
-          </ac:spMkLst>
-        </pc:spChg>
       </pc:sldChg>
       <pc:sldChg chg="addSp modSp mod modAnim">
         <pc:chgData name="Sonia Tara Hegde" userId="d93a2558-a889-4521-bcb4-6ed3fce9e012" providerId="ADAL" clId="{8F23145C-A13B-A342-8814-4A755A7320F9}" dt="2025-05-19T16:43:11.742" v="320" actId="14100"/>
@@ -285,14 +165,6 @@
           <pc:docMk/>
           <pc:sldMk cId="0" sldId="267"/>
         </pc:sldMkLst>
-        <pc:spChg chg="add mod">
-          <ac:chgData name="Sonia Tara Hegde" userId="d93a2558-a889-4521-bcb4-6ed3fce9e012" providerId="ADAL" clId="{8F23145C-A13B-A342-8814-4A755A7320F9}" dt="2025-05-19T16:43:11.742" v="320" actId="14100"/>
-          <ac:spMkLst>
-            <pc:docMk/>
-            <pc:sldMk cId="0" sldId="267"/>
-            <ac:spMk id="5" creationId="{F9BD13D4-F595-F538-778A-0E4833B12DF1}"/>
-          </ac:spMkLst>
-        </pc:spChg>
       </pc:sldChg>
       <pc:sldChg chg="modSp mod">
         <pc:chgData name="Sonia Tara Hegde" userId="d93a2558-a889-4521-bcb4-6ed3fce9e012" providerId="ADAL" clId="{8F23145C-A13B-A342-8814-4A755A7320F9}" dt="2025-05-19T16:30:55.240" v="159" actId="20577"/>
@@ -300,14 +172,6 @@
           <pc:docMk/>
           <pc:sldMk cId="0" sldId="268"/>
         </pc:sldMkLst>
-        <pc:spChg chg="mod">
-          <ac:chgData name="Sonia Tara Hegde" userId="d93a2558-a889-4521-bcb4-6ed3fce9e012" providerId="ADAL" clId="{8F23145C-A13B-A342-8814-4A755A7320F9}" dt="2025-05-19T16:30:55.240" v="159" actId="20577"/>
-          <ac:spMkLst>
-            <pc:docMk/>
-            <pc:sldMk cId="0" sldId="268"/>
-            <ac:spMk id="2" creationId="{00000000-0000-0000-0000-000000000000}"/>
-          </ac:spMkLst>
-        </pc:spChg>
       </pc:sldChg>
       <pc:sldChg chg="addSp modSp mod modAnim">
         <pc:chgData name="Sonia Tara Hegde" userId="d93a2558-a889-4521-bcb4-6ed3fce9e012" providerId="ADAL" clId="{8F23145C-A13B-A342-8814-4A755A7320F9}" dt="2025-05-19T16:42:14.231" v="317" actId="1036"/>
@@ -315,30 +179,6 @@
           <pc:docMk/>
           <pc:sldMk cId="3291686408" sldId="269"/>
         </pc:sldMkLst>
-        <pc:spChg chg="add mod">
-          <ac:chgData name="Sonia Tara Hegde" userId="d93a2558-a889-4521-bcb4-6ed3fce9e012" providerId="ADAL" clId="{8F23145C-A13B-A342-8814-4A755A7320F9}" dt="2025-05-19T16:42:14.231" v="317" actId="1036"/>
-          <ac:spMkLst>
-            <pc:docMk/>
-            <pc:sldMk cId="3291686408" sldId="269"/>
-            <ac:spMk id="5" creationId="{33E650D4-80FF-F20A-7724-B19EA1757E43}"/>
-          </ac:spMkLst>
-        </pc:spChg>
-        <pc:graphicFrameChg chg="mod modGraphic">
-          <ac:chgData name="Sonia Tara Hegde" userId="d93a2558-a889-4521-bcb4-6ed3fce9e012" providerId="ADAL" clId="{8F23145C-A13B-A342-8814-4A755A7320F9}" dt="2025-05-19T16:38:15.859" v="200"/>
-          <ac:graphicFrameMkLst>
-            <pc:docMk/>
-            <pc:sldMk cId="3291686408" sldId="269"/>
-            <ac:graphicFrameMk id="8" creationId="{B30C225E-ABDC-F3E2-87B1-BAE537AA3FE8}"/>
-          </ac:graphicFrameMkLst>
-        </pc:graphicFrameChg>
-        <pc:cxnChg chg="add mod">
-          <ac:chgData name="Sonia Tara Hegde" userId="d93a2558-a889-4521-bcb4-6ed3fce9e012" providerId="ADAL" clId="{8F23145C-A13B-A342-8814-4A755A7320F9}" dt="2025-05-19T16:38:29.084" v="201" actId="692"/>
-          <ac:cxnSpMkLst>
-            <pc:docMk/>
-            <pc:sldMk cId="3291686408" sldId="269"/>
-            <ac:cxnSpMk id="4" creationId="{B3AF5190-F114-D88F-816F-3816200867C6}"/>
-          </ac:cxnSpMkLst>
-        </pc:cxnChg>
       </pc:sldChg>
       <pc:sldChg chg="modSp mod">
         <pc:chgData name="Sonia Tara Hegde" userId="d93a2558-a889-4521-bcb4-6ed3fce9e012" providerId="ADAL" clId="{8F23145C-A13B-A342-8814-4A755A7320F9}" dt="2025-05-19T16:55:39.350" v="463" actId="20577"/>
@@ -346,22 +186,6 @@
           <pc:docMk/>
           <pc:sldMk cId="2521875316" sldId="270"/>
         </pc:sldMkLst>
-        <pc:spChg chg="mod">
-          <ac:chgData name="Sonia Tara Hegde" userId="d93a2558-a889-4521-bcb4-6ed3fce9e012" providerId="ADAL" clId="{8F23145C-A13B-A342-8814-4A755A7320F9}" dt="2025-05-19T16:55:39.350" v="463" actId="20577"/>
-          <ac:spMkLst>
-            <pc:docMk/>
-            <pc:sldMk cId="2521875316" sldId="270"/>
-            <ac:spMk id="2" creationId="{0E36C48E-C5F1-5670-EAA8-EB3FE9AB3048}"/>
-          </ac:spMkLst>
-        </pc:spChg>
-        <pc:spChg chg="mod">
-          <ac:chgData name="Sonia Tara Hegde" userId="d93a2558-a889-4521-bcb4-6ed3fce9e012" providerId="ADAL" clId="{8F23145C-A13B-A342-8814-4A755A7320F9}" dt="2025-05-19T16:49:32.199" v="453" actId="20577"/>
-          <ac:spMkLst>
-            <pc:docMk/>
-            <pc:sldMk cId="2521875316" sldId="270"/>
-            <ac:spMk id="3" creationId="{53B4D05D-8DC2-2F18-D8CA-69FD5742F203}"/>
-          </ac:spMkLst>
-        </pc:spChg>
       </pc:sldChg>
       <pc:sldChg chg="addSp delSp modSp new mod">
         <pc:chgData name="Sonia Tara Hegde" userId="d93a2558-a889-4521-bcb4-6ed3fce9e012" providerId="ADAL" clId="{8F23145C-A13B-A342-8814-4A755A7320F9}" dt="2025-05-19T16:48:15.774" v="403" actId="478"/>
@@ -369,46 +193,6 @@
           <pc:docMk/>
           <pc:sldMk cId="173502923" sldId="271"/>
         </pc:sldMkLst>
-        <pc:spChg chg="mod">
-          <ac:chgData name="Sonia Tara Hegde" userId="d93a2558-a889-4521-bcb4-6ed3fce9e012" providerId="ADAL" clId="{8F23145C-A13B-A342-8814-4A755A7320F9}" dt="2025-05-19T16:44:38.974" v="398" actId="114"/>
-          <ac:spMkLst>
-            <pc:docMk/>
-            <pc:sldMk cId="173502923" sldId="271"/>
-            <ac:spMk id="2" creationId="{C734AC06-1E42-8C43-D13A-C20ADF533B8C}"/>
-          </ac:spMkLst>
-        </pc:spChg>
-        <pc:spChg chg="del">
-          <ac:chgData name="Sonia Tara Hegde" userId="d93a2558-a889-4521-bcb4-6ed3fce9e012" providerId="ADAL" clId="{8F23145C-A13B-A342-8814-4A755A7320F9}" dt="2025-05-19T16:35:43.820" v="161" actId="478"/>
-          <ac:spMkLst>
-            <pc:docMk/>
-            <pc:sldMk cId="173502923" sldId="271"/>
-            <ac:spMk id="3" creationId="{D06BC761-60D3-A578-9552-2C1CE28B8FA1}"/>
-          </ac:spMkLst>
-        </pc:spChg>
-        <pc:spChg chg="add del mod topLvl">
-          <ac:chgData name="Sonia Tara Hegde" userId="d93a2558-a889-4521-bcb4-6ed3fce9e012" providerId="ADAL" clId="{8F23145C-A13B-A342-8814-4A755A7320F9}" dt="2025-05-19T16:48:15.774" v="403" actId="478"/>
-          <ac:spMkLst>
-            <pc:docMk/>
-            <pc:sldMk cId="173502923" sldId="271"/>
-            <ac:spMk id="5" creationId="{1AB433BD-95B8-F471-5A03-C196613E4469}"/>
-          </ac:spMkLst>
-        </pc:spChg>
-        <pc:grpChg chg="add del mod">
-          <ac:chgData name="Sonia Tara Hegde" userId="d93a2558-a889-4521-bcb4-6ed3fce9e012" providerId="ADAL" clId="{8F23145C-A13B-A342-8814-4A755A7320F9}" dt="2025-05-19T16:48:15.774" v="403" actId="478"/>
-          <ac:grpSpMkLst>
-            <pc:docMk/>
-            <pc:sldMk cId="173502923" sldId="271"/>
-            <ac:grpSpMk id="6" creationId="{D69E35B1-9D1E-9716-40E7-8DC2007ECE38}"/>
-          </ac:grpSpMkLst>
-        </pc:grpChg>
-        <pc:picChg chg="add mod topLvl">
-          <ac:chgData name="Sonia Tara Hegde" userId="d93a2558-a889-4521-bcb4-6ed3fce9e012" providerId="ADAL" clId="{8F23145C-A13B-A342-8814-4A755A7320F9}" dt="2025-05-19T16:48:15.774" v="403" actId="478"/>
-          <ac:picMkLst>
-            <pc:docMk/>
-            <pc:sldMk cId="173502923" sldId="271"/>
-            <ac:picMk id="4" creationId="{92C31D8B-0D3F-F5A8-3A4D-DF92A430B246}"/>
-          </ac:picMkLst>
-        </pc:picChg>
       </pc:sldChg>
       <pc:sldChg chg="delSp new del mod">
         <pc:chgData name="Sonia Tara Hegde" userId="d93a2558-a889-4521-bcb4-6ed3fce9e012" providerId="ADAL" clId="{8F23145C-A13B-A342-8814-4A755A7320F9}" dt="2025-05-19T23:09:34.113" v="468" actId="2696"/>
@@ -416,22 +200,6 @@
           <pc:docMk/>
           <pc:sldMk cId="2468763933" sldId="272"/>
         </pc:sldMkLst>
-        <pc:spChg chg="del">
-          <ac:chgData name="Sonia Tara Hegde" userId="d93a2558-a889-4521-bcb4-6ed3fce9e012" providerId="ADAL" clId="{8F23145C-A13B-A342-8814-4A755A7320F9}" dt="2025-05-19T23:07:18.582" v="466" actId="478"/>
-          <ac:spMkLst>
-            <pc:docMk/>
-            <pc:sldMk cId="2468763933" sldId="272"/>
-            <ac:spMk id="2" creationId="{C0BBA828-2EDE-7053-280F-A1B21BBF18DB}"/>
-          </ac:spMkLst>
-        </pc:spChg>
-        <pc:spChg chg="del">
-          <ac:chgData name="Sonia Tara Hegde" userId="d93a2558-a889-4521-bcb4-6ed3fce9e012" providerId="ADAL" clId="{8F23145C-A13B-A342-8814-4A755A7320F9}" dt="2025-05-19T23:07:16.797" v="465" actId="478"/>
-          <ac:spMkLst>
-            <pc:docMk/>
-            <pc:sldMk cId="2468763933" sldId="272"/>
-            <ac:spMk id="3" creationId="{70C4C719-51FF-787B-62C9-DFA2519D1ACF}"/>
-          </ac:spMkLst>
-        </pc:spChg>
       </pc:sldChg>
       <pc:sldChg chg="addSp modSp add del mod">
         <pc:chgData name="Sonia Tara Hegde" userId="d93a2558-a889-4521-bcb4-6ed3fce9e012" providerId="ADAL" clId="{8F23145C-A13B-A342-8814-4A755A7320F9}" dt="2025-05-19T23:11:52.132" v="520" actId="2696"/>
@@ -439,38 +207,6 @@
           <pc:docMk/>
           <pc:sldMk cId="0" sldId="273"/>
         </pc:sldMkLst>
-        <pc:spChg chg="mod">
-          <ac:chgData name="Sonia Tara Hegde" userId="d93a2558-a889-4521-bcb4-6ed3fce9e012" providerId="ADAL" clId="{8F23145C-A13B-A342-8814-4A755A7320F9}" dt="2025-05-19T23:10:31.058" v="508" actId="1035"/>
-          <ac:spMkLst>
-            <pc:docMk/>
-            <pc:sldMk cId="0" sldId="273"/>
-            <ac:spMk id="2" creationId="{00000000-0000-0000-0000-000000000000}"/>
-          </ac:spMkLst>
-        </pc:spChg>
-        <pc:spChg chg="mod">
-          <ac:chgData name="Sonia Tara Hegde" userId="d93a2558-a889-4521-bcb4-6ed3fce9e012" providerId="ADAL" clId="{8F23145C-A13B-A342-8814-4A755A7320F9}" dt="2025-05-19T23:10:31.058" v="508" actId="1035"/>
-          <ac:spMkLst>
-            <pc:docMk/>
-            <pc:sldMk cId="0" sldId="273"/>
-            <ac:spMk id="3" creationId="{00000000-0000-0000-0000-000000000000}"/>
-          </ac:spMkLst>
-        </pc:spChg>
-        <pc:spChg chg="mod">
-          <ac:chgData name="Sonia Tara Hegde" userId="d93a2558-a889-4521-bcb4-6ed3fce9e012" providerId="ADAL" clId="{8F23145C-A13B-A342-8814-4A755A7320F9}" dt="2025-05-19T23:09:26.530" v="467"/>
-          <ac:spMkLst>
-            <pc:docMk/>
-            <pc:sldMk cId="0" sldId="273"/>
-            <ac:spMk id="4" creationId="{00000000-0000-0000-0000-000000000000}"/>
-          </ac:spMkLst>
-        </pc:spChg>
-        <pc:spChg chg="add mod">
-          <ac:chgData name="Sonia Tara Hegde" userId="d93a2558-a889-4521-bcb4-6ed3fce9e012" providerId="ADAL" clId="{8F23145C-A13B-A342-8814-4A755A7320F9}" dt="2025-05-19T23:10:58.557" v="519" actId="1035"/>
-          <ac:spMkLst>
-            <pc:docMk/>
-            <pc:sldMk cId="0" sldId="273"/>
-            <ac:spMk id="5" creationId="{82C0BB36-3F48-2647-5C4B-23A96BDFCF51}"/>
-          </ac:spMkLst>
-        </pc:spChg>
       </pc:sldChg>
       <pc:sldChg chg="addSp delSp modSp add del mod">
         <pc:chgData name="Sonia Tara Hegde" userId="d93a2558-a889-4521-bcb4-6ed3fce9e012" providerId="ADAL" clId="{8F23145C-A13B-A342-8814-4A755A7320F9}" dt="2025-05-19T23:14:36.610" v="589" actId="2696"/>
@@ -478,102 +214,6 @@
           <pc:docMk/>
           <pc:sldMk cId="0" sldId="274"/>
         </pc:sldMkLst>
-        <pc:spChg chg="del">
-          <ac:chgData name="Sonia Tara Hegde" userId="d93a2558-a889-4521-bcb4-6ed3fce9e012" providerId="ADAL" clId="{8F23145C-A13B-A342-8814-4A755A7320F9}" dt="2025-05-19T23:12:54.313" v="563" actId="478"/>
-          <ac:spMkLst>
-            <pc:docMk/>
-            <pc:sldMk cId="0" sldId="274"/>
-            <ac:spMk id="2" creationId="{00000000-0000-0000-0000-000000000000}"/>
-          </ac:spMkLst>
-        </pc:spChg>
-        <pc:spChg chg="del">
-          <ac:chgData name="Sonia Tara Hegde" userId="d93a2558-a889-4521-bcb4-6ed3fce9e012" providerId="ADAL" clId="{8F23145C-A13B-A342-8814-4A755A7320F9}" dt="2025-05-19T23:12:54.313" v="563" actId="478"/>
-          <ac:spMkLst>
-            <pc:docMk/>
-            <pc:sldMk cId="0" sldId="274"/>
-            <ac:spMk id="3" creationId="{00000000-0000-0000-0000-000000000000}"/>
-          </ac:spMkLst>
-        </pc:spChg>
-        <pc:spChg chg="del">
-          <ac:chgData name="Sonia Tara Hegde" userId="d93a2558-a889-4521-bcb4-6ed3fce9e012" providerId="ADAL" clId="{8F23145C-A13B-A342-8814-4A755A7320F9}" dt="2025-05-19T23:12:54.313" v="563" actId="478"/>
-          <ac:spMkLst>
-            <pc:docMk/>
-            <pc:sldMk cId="0" sldId="274"/>
-            <ac:spMk id="4" creationId="{00000000-0000-0000-0000-000000000000}"/>
-          </ac:spMkLst>
-        </pc:spChg>
-        <pc:spChg chg="del">
-          <ac:chgData name="Sonia Tara Hegde" userId="d93a2558-a889-4521-bcb4-6ed3fce9e012" providerId="ADAL" clId="{8F23145C-A13B-A342-8814-4A755A7320F9}" dt="2025-05-19T23:12:54.313" v="563" actId="478"/>
-          <ac:spMkLst>
-            <pc:docMk/>
-            <pc:sldMk cId="0" sldId="274"/>
-            <ac:spMk id="5" creationId="{00000000-0000-0000-0000-000000000000}"/>
-          </ac:spMkLst>
-        </pc:spChg>
-        <pc:spChg chg="del">
-          <ac:chgData name="Sonia Tara Hegde" userId="d93a2558-a889-4521-bcb4-6ed3fce9e012" providerId="ADAL" clId="{8F23145C-A13B-A342-8814-4A755A7320F9}" dt="2025-05-19T23:12:54.313" v="563" actId="478"/>
-          <ac:spMkLst>
-            <pc:docMk/>
-            <pc:sldMk cId="0" sldId="274"/>
-            <ac:spMk id="6" creationId="{00000000-0000-0000-0000-000000000000}"/>
-          </ac:spMkLst>
-        </pc:spChg>
-        <pc:spChg chg="del">
-          <ac:chgData name="Sonia Tara Hegde" userId="d93a2558-a889-4521-bcb4-6ed3fce9e012" providerId="ADAL" clId="{8F23145C-A13B-A342-8814-4A755A7320F9}" dt="2025-05-19T23:12:54.313" v="563" actId="478"/>
-          <ac:spMkLst>
-            <pc:docMk/>
-            <pc:sldMk cId="0" sldId="274"/>
-            <ac:spMk id="7" creationId="{00000000-0000-0000-0000-000000000000}"/>
-          </ac:spMkLst>
-        </pc:spChg>
-        <pc:spChg chg="del">
-          <ac:chgData name="Sonia Tara Hegde" userId="d93a2558-a889-4521-bcb4-6ed3fce9e012" providerId="ADAL" clId="{8F23145C-A13B-A342-8814-4A755A7320F9}" dt="2025-05-19T23:12:54.313" v="563" actId="478"/>
-          <ac:spMkLst>
-            <pc:docMk/>
-            <pc:sldMk cId="0" sldId="274"/>
-            <ac:spMk id="8" creationId="{00000000-0000-0000-0000-000000000000}"/>
-          </ac:spMkLst>
-        </pc:spChg>
-        <pc:spChg chg="del">
-          <ac:chgData name="Sonia Tara Hegde" userId="d93a2558-a889-4521-bcb4-6ed3fce9e012" providerId="ADAL" clId="{8F23145C-A13B-A342-8814-4A755A7320F9}" dt="2025-05-19T23:12:54.313" v="563" actId="478"/>
-          <ac:spMkLst>
-            <pc:docMk/>
-            <pc:sldMk cId="0" sldId="274"/>
-            <ac:spMk id="9" creationId="{00000000-0000-0000-0000-000000000000}"/>
-          </ac:spMkLst>
-        </pc:spChg>
-        <pc:spChg chg="del">
-          <ac:chgData name="Sonia Tara Hegde" userId="d93a2558-a889-4521-bcb4-6ed3fce9e012" providerId="ADAL" clId="{8F23145C-A13B-A342-8814-4A755A7320F9}" dt="2025-05-19T23:12:54.313" v="563" actId="478"/>
-          <ac:spMkLst>
-            <pc:docMk/>
-            <pc:sldMk cId="0" sldId="274"/>
-            <ac:spMk id="10" creationId="{00000000-0000-0000-0000-000000000000}"/>
-          </ac:spMkLst>
-        </pc:spChg>
-        <pc:spChg chg="del">
-          <ac:chgData name="Sonia Tara Hegde" userId="d93a2558-a889-4521-bcb4-6ed3fce9e012" providerId="ADAL" clId="{8F23145C-A13B-A342-8814-4A755A7320F9}" dt="2025-05-19T23:12:54.313" v="563" actId="478"/>
-          <ac:spMkLst>
-            <pc:docMk/>
-            <pc:sldMk cId="0" sldId="274"/>
-            <ac:spMk id="11" creationId="{00000000-0000-0000-0000-000000000000}"/>
-          </ac:spMkLst>
-        </pc:spChg>
-        <pc:spChg chg="mod">
-          <ac:chgData name="Sonia Tara Hegde" userId="d93a2558-a889-4521-bcb4-6ed3fce9e012" providerId="ADAL" clId="{8F23145C-A13B-A342-8814-4A755A7320F9}" dt="2025-05-19T23:09:26.530" v="467"/>
-          <ac:spMkLst>
-            <pc:docMk/>
-            <pc:sldMk cId="0" sldId="274"/>
-            <ac:spMk id="12" creationId="{00000000-0000-0000-0000-000000000000}"/>
-          </ac:spMkLst>
-        </pc:spChg>
-        <pc:picChg chg="add mod">
-          <ac:chgData name="Sonia Tara Hegde" userId="d93a2558-a889-4521-bcb4-6ed3fce9e012" providerId="ADAL" clId="{8F23145C-A13B-A342-8814-4A755A7320F9}" dt="2025-05-19T23:13:06.728" v="567" actId="14100"/>
-          <ac:picMkLst>
-            <pc:docMk/>
-            <pc:sldMk cId="0" sldId="274"/>
-            <ac:picMk id="13" creationId="{DB8823E9-989E-B1B9-D264-215A325B7F35}"/>
-          </ac:picMkLst>
-        </pc:picChg>
       </pc:sldChg>
       <pc:sldChg chg="modSp add del">
         <pc:chgData name="Sonia Tara Hegde" userId="d93a2558-a889-4521-bcb4-6ed3fce9e012" providerId="ADAL" clId="{8F23145C-A13B-A342-8814-4A755A7320F9}" dt="2025-05-19T23:14:36.539" v="588" actId="2696"/>
@@ -581,14 +221,6 @@
           <pc:docMk/>
           <pc:sldMk cId="0" sldId="275"/>
         </pc:sldMkLst>
-        <pc:spChg chg="mod">
-          <ac:chgData name="Sonia Tara Hegde" userId="d93a2558-a889-4521-bcb4-6ed3fce9e012" providerId="ADAL" clId="{8F23145C-A13B-A342-8814-4A755A7320F9}" dt="2025-05-19T23:09:26.530" v="467"/>
-          <ac:spMkLst>
-            <pc:docMk/>
-            <pc:sldMk cId="0" sldId="275"/>
-            <ac:spMk id="14" creationId="{00000000-0000-0000-0000-000000000000}"/>
-          </ac:spMkLst>
-        </pc:spChg>
       </pc:sldChg>
       <pc:sldChg chg="modSp add del">
         <pc:chgData name="Sonia Tara Hegde" userId="d93a2558-a889-4521-bcb4-6ed3fce9e012" providerId="ADAL" clId="{8F23145C-A13B-A342-8814-4A755A7320F9}" dt="2025-05-19T23:14:36.530" v="587" actId="2696"/>
@@ -596,14 +228,6 @@
           <pc:docMk/>
           <pc:sldMk cId="0" sldId="276"/>
         </pc:sldMkLst>
-        <pc:spChg chg="mod">
-          <ac:chgData name="Sonia Tara Hegde" userId="d93a2558-a889-4521-bcb4-6ed3fce9e012" providerId="ADAL" clId="{8F23145C-A13B-A342-8814-4A755A7320F9}" dt="2025-05-19T23:09:26.530" v="467"/>
-          <ac:spMkLst>
-            <pc:docMk/>
-            <pc:sldMk cId="0" sldId="276"/>
-            <ac:spMk id="13" creationId="{00000000-0000-0000-0000-000000000000}"/>
-          </ac:spMkLst>
-        </pc:spChg>
       </pc:sldChg>
       <pc:sldChg chg="modSp add del">
         <pc:chgData name="Sonia Tara Hegde" userId="d93a2558-a889-4521-bcb4-6ed3fce9e012" providerId="ADAL" clId="{8F23145C-A13B-A342-8814-4A755A7320F9}" dt="2025-05-19T23:14:36.273" v="577" actId="2696"/>
@@ -611,14 +235,6 @@
           <pc:docMk/>
           <pc:sldMk cId="0" sldId="277"/>
         </pc:sldMkLst>
-        <pc:spChg chg="mod">
-          <ac:chgData name="Sonia Tara Hegde" userId="d93a2558-a889-4521-bcb4-6ed3fce9e012" providerId="ADAL" clId="{8F23145C-A13B-A342-8814-4A755A7320F9}" dt="2025-05-19T23:09:26.530" v="467"/>
-          <ac:spMkLst>
-            <pc:docMk/>
-            <pc:sldMk cId="0" sldId="277"/>
-            <ac:spMk id="21" creationId="{00000000-0000-0000-0000-000000000000}"/>
-          </ac:spMkLst>
-        </pc:spChg>
       </pc:sldChg>
       <pc:sldChg chg="modSp add del">
         <pc:chgData name="Sonia Tara Hegde" userId="d93a2558-a889-4521-bcb4-6ed3fce9e012" providerId="ADAL" clId="{8F23145C-A13B-A342-8814-4A755A7320F9}" dt="2025-05-19T23:14:36.296" v="578" actId="2696"/>
@@ -626,14 +242,6 @@
           <pc:docMk/>
           <pc:sldMk cId="0" sldId="278"/>
         </pc:sldMkLst>
-        <pc:spChg chg="mod">
-          <ac:chgData name="Sonia Tara Hegde" userId="d93a2558-a889-4521-bcb4-6ed3fce9e012" providerId="ADAL" clId="{8F23145C-A13B-A342-8814-4A755A7320F9}" dt="2025-05-19T23:09:26.530" v="467"/>
-          <ac:spMkLst>
-            <pc:docMk/>
-            <pc:sldMk cId="0" sldId="278"/>
-            <ac:spMk id="10" creationId="{00000000-0000-0000-0000-000000000000}"/>
-          </ac:spMkLst>
-        </pc:spChg>
       </pc:sldChg>
       <pc:sldChg chg="modSp add del">
         <pc:chgData name="Sonia Tara Hegde" userId="d93a2558-a889-4521-bcb4-6ed3fce9e012" providerId="ADAL" clId="{8F23145C-A13B-A342-8814-4A755A7320F9}" dt="2025-05-19T23:14:36.508" v="586" actId="2696"/>
@@ -641,14 +249,6 @@
           <pc:docMk/>
           <pc:sldMk cId="0" sldId="279"/>
         </pc:sldMkLst>
-        <pc:spChg chg="mod">
-          <ac:chgData name="Sonia Tara Hegde" userId="d93a2558-a889-4521-bcb4-6ed3fce9e012" providerId="ADAL" clId="{8F23145C-A13B-A342-8814-4A755A7320F9}" dt="2025-05-19T23:09:26.530" v="467"/>
-          <ac:spMkLst>
-            <pc:docMk/>
-            <pc:sldMk cId="0" sldId="279"/>
-            <ac:spMk id="12" creationId="{00000000-0000-0000-0000-000000000000}"/>
-          </ac:spMkLst>
-        </pc:spChg>
       </pc:sldChg>
       <pc:sldChg chg="modSp add del">
         <pc:chgData name="Sonia Tara Hegde" userId="d93a2558-a889-4521-bcb4-6ed3fce9e012" providerId="ADAL" clId="{8F23145C-A13B-A342-8814-4A755A7320F9}" dt="2025-05-19T23:14:36.263" v="576" actId="2696"/>
@@ -656,14 +256,6 @@
           <pc:docMk/>
           <pc:sldMk cId="0" sldId="280"/>
         </pc:sldMkLst>
-        <pc:spChg chg="mod">
-          <ac:chgData name="Sonia Tara Hegde" userId="d93a2558-a889-4521-bcb4-6ed3fce9e012" providerId="ADAL" clId="{8F23145C-A13B-A342-8814-4A755A7320F9}" dt="2025-05-19T23:09:26.530" v="467"/>
-          <ac:spMkLst>
-            <pc:docMk/>
-            <pc:sldMk cId="0" sldId="280"/>
-            <ac:spMk id="19" creationId="{00000000-0000-0000-0000-000000000000}"/>
-          </ac:spMkLst>
-        </pc:spChg>
       </pc:sldChg>
       <pc:sldChg chg="modSp add del">
         <pc:chgData name="Sonia Tara Hegde" userId="d93a2558-a889-4521-bcb4-6ed3fce9e012" providerId="ADAL" clId="{8F23145C-A13B-A342-8814-4A755A7320F9}" dt="2025-05-19T23:14:36.634" v="590" actId="2696"/>
@@ -671,14 +263,6 @@
           <pc:docMk/>
           <pc:sldMk cId="0" sldId="281"/>
         </pc:sldMkLst>
-        <pc:spChg chg="mod">
-          <ac:chgData name="Sonia Tara Hegde" userId="d93a2558-a889-4521-bcb4-6ed3fce9e012" providerId="ADAL" clId="{8F23145C-A13B-A342-8814-4A755A7320F9}" dt="2025-05-19T23:09:26.530" v="467"/>
-          <ac:spMkLst>
-            <pc:docMk/>
-            <pc:sldMk cId="0" sldId="281"/>
-            <ac:spMk id="17" creationId="{00000000-0000-0000-0000-000000000000}"/>
-          </ac:spMkLst>
-        </pc:spChg>
       </pc:sldChg>
       <pc:sldChg chg="modSp add del">
         <pc:chgData name="Sonia Tara Hegde" userId="d93a2558-a889-4521-bcb4-6ed3fce9e012" providerId="ADAL" clId="{8F23145C-A13B-A342-8814-4A755A7320F9}" dt="2025-05-19T23:14:36.254" v="575" actId="2696"/>
@@ -686,14 +270,6 @@
           <pc:docMk/>
           <pc:sldMk cId="0" sldId="282"/>
         </pc:sldMkLst>
-        <pc:spChg chg="mod">
-          <ac:chgData name="Sonia Tara Hegde" userId="d93a2558-a889-4521-bcb4-6ed3fce9e012" providerId="ADAL" clId="{8F23145C-A13B-A342-8814-4A755A7320F9}" dt="2025-05-19T23:09:26.530" v="467"/>
-          <ac:spMkLst>
-            <pc:docMk/>
-            <pc:sldMk cId="0" sldId="282"/>
-            <ac:spMk id="11" creationId="{00000000-0000-0000-0000-000000000000}"/>
-          </ac:spMkLst>
-        </pc:spChg>
       </pc:sldChg>
       <pc:sldChg chg="modSp add del">
         <pc:chgData name="Sonia Tara Hegde" userId="d93a2558-a889-4521-bcb4-6ed3fce9e012" providerId="ADAL" clId="{8F23145C-A13B-A342-8814-4A755A7320F9}" dt="2025-05-19T23:14:36.234" v="574" actId="2696"/>
@@ -701,14 +277,6 @@
           <pc:docMk/>
           <pc:sldMk cId="0" sldId="283"/>
         </pc:sldMkLst>
-        <pc:spChg chg="mod">
-          <ac:chgData name="Sonia Tara Hegde" userId="d93a2558-a889-4521-bcb4-6ed3fce9e012" providerId="ADAL" clId="{8F23145C-A13B-A342-8814-4A755A7320F9}" dt="2025-05-19T23:09:26.530" v="467"/>
-          <ac:spMkLst>
-            <pc:docMk/>
-            <pc:sldMk cId="0" sldId="283"/>
-            <ac:spMk id="10" creationId="{00000000-0000-0000-0000-000000000000}"/>
-          </ac:spMkLst>
-        </pc:spChg>
       </pc:sldChg>
       <pc:sldChg chg="modSp add del">
         <pc:chgData name="Sonia Tara Hegde" userId="d93a2558-a889-4521-bcb4-6ed3fce9e012" providerId="ADAL" clId="{8F23145C-A13B-A342-8814-4A755A7320F9}" dt="2025-05-19T23:14:36.325" v="580" actId="2696"/>
@@ -716,14 +284,6 @@
           <pc:docMk/>
           <pc:sldMk cId="0" sldId="284"/>
         </pc:sldMkLst>
-        <pc:spChg chg="mod">
-          <ac:chgData name="Sonia Tara Hegde" userId="d93a2558-a889-4521-bcb4-6ed3fce9e012" providerId="ADAL" clId="{8F23145C-A13B-A342-8814-4A755A7320F9}" dt="2025-05-19T23:09:26.530" v="467"/>
-          <ac:spMkLst>
-            <pc:docMk/>
-            <pc:sldMk cId="0" sldId="284"/>
-            <ac:spMk id="6" creationId="{00000000-0000-0000-0000-000000000000}"/>
-          </ac:spMkLst>
-        </pc:spChg>
       </pc:sldChg>
       <pc:sldChg chg="modSp add del">
         <pc:chgData name="Sonia Tara Hegde" userId="d93a2558-a889-4521-bcb4-6ed3fce9e012" providerId="ADAL" clId="{8F23145C-A13B-A342-8814-4A755A7320F9}" dt="2025-05-19T23:14:36.343" v="581" actId="2696"/>
@@ -731,14 +291,6 @@
           <pc:docMk/>
           <pc:sldMk cId="0" sldId="285"/>
         </pc:sldMkLst>
-        <pc:spChg chg="mod">
-          <ac:chgData name="Sonia Tara Hegde" userId="d93a2558-a889-4521-bcb4-6ed3fce9e012" providerId="ADAL" clId="{8F23145C-A13B-A342-8814-4A755A7320F9}" dt="2025-05-19T23:09:26.530" v="467"/>
-          <ac:spMkLst>
-            <pc:docMk/>
-            <pc:sldMk cId="0" sldId="285"/>
-            <ac:spMk id="64" creationId="{00000000-0000-0000-0000-000000000000}"/>
-          </ac:spMkLst>
-        </pc:spChg>
       </pc:sldChg>
       <pc:sldChg chg="modSp add del">
         <pc:chgData name="Sonia Tara Hegde" userId="d93a2558-a889-4521-bcb4-6ed3fce9e012" providerId="ADAL" clId="{8F23145C-A13B-A342-8814-4A755A7320F9}" dt="2025-05-19T23:14:36.413" v="584" actId="2696"/>
@@ -746,14 +298,6 @@
           <pc:docMk/>
           <pc:sldMk cId="0" sldId="286"/>
         </pc:sldMkLst>
-        <pc:spChg chg="mod">
-          <ac:chgData name="Sonia Tara Hegde" userId="d93a2558-a889-4521-bcb4-6ed3fce9e012" providerId="ADAL" clId="{8F23145C-A13B-A342-8814-4A755A7320F9}" dt="2025-05-19T23:09:26.530" v="467"/>
-          <ac:spMkLst>
-            <pc:docMk/>
-            <pc:sldMk cId="0" sldId="286"/>
-            <ac:spMk id="40" creationId="{00000000-0000-0000-0000-000000000000}"/>
-          </ac:spMkLst>
-        </pc:spChg>
       </pc:sldChg>
       <pc:sldChg chg="modSp add del">
         <pc:chgData name="Sonia Tara Hegde" userId="d93a2558-a889-4521-bcb4-6ed3fce9e012" providerId="ADAL" clId="{8F23145C-A13B-A342-8814-4A755A7320F9}" dt="2025-05-19T23:14:36.153" v="571" actId="2696"/>
@@ -761,14 +305,6 @@
           <pc:docMk/>
           <pc:sldMk cId="0" sldId="287"/>
         </pc:sldMkLst>
-        <pc:spChg chg="mod">
-          <ac:chgData name="Sonia Tara Hegde" userId="d93a2558-a889-4521-bcb4-6ed3fce9e012" providerId="ADAL" clId="{8F23145C-A13B-A342-8814-4A755A7320F9}" dt="2025-05-19T23:09:26.530" v="467"/>
-          <ac:spMkLst>
-            <pc:docMk/>
-            <pc:sldMk cId="0" sldId="287"/>
-            <ac:spMk id="25" creationId="{00000000-0000-0000-0000-000000000000}"/>
-          </ac:spMkLst>
-        </pc:spChg>
       </pc:sldChg>
       <pc:sldChg chg="modSp add del">
         <pc:chgData name="Sonia Tara Hegde" userId="d93a2558-a889-4521-bcb4-6ed3fce9e012" providerId="ADAL" clId="{8F23145C-A13B-A342-8814-4A755A7320F9}" dt="2025-05-19T23:14:36.314" v="579" actId="2696"/>
@@ -776,14 +312,6 @@
           <pc:docMk/>
           <pc:sldMk cId="0" sldId="288"/>
         </pc:sldMkLst>
-        <pc:spChg chg="mod">
-          <ac:chgData name="Sonia Tara Hegde" userId="d93a2558-a889-4521-bcb4-6ed3fce9e012" providerId="ADAL" clId="{8F23145C-A13B-A342-8814-4A755A7320F9}" dt="2025-05-19T23:09:26.530" v="467"/>
-          <ac:spMkLst>
-            <pc:docMk/>
-            <pc:sldMk cId="0" sldId="288"/>
-            <ac:spMk id="35" creationId="{00000000-0000-0000-0000-000000000000}"/>
-          </ac:spMkLst>
-        </pc:spChg>
       </pc:sldChg>
       <pc:sldChg chg="modSp add del">
         <pc:chgData name="Sonia Tara Hegde" userId="d93a2558-a889-4521-bcb4-6ed3fce9e012" providerId="ADAL" clId="{8F23145C-A13B-A342-8814-4A755A7320F9}" dt="2025-05-19T23:14:36.140" v="569" actId="2696"/>
@@ -791,14 +319,6 @@
           <pc:docMk/>
           <pc:sldMk cId="0" sldId="289"/>
         </pc:sldMkLst>
-        <pc:spChg chg="mod">
-          <ac:chgData name="Sonia Tara Hegde" userId="d93a2558-a889-4521-bcb4-6ed3fce9e012" providerId="ADAL" clId="{8F23145C-A13B-A342-8814-4A755A7320F9}" dt="2025-05-19T23:09:26.530" v="467"/>
-          <ac:spMkLst>
-            <pc:docMk/>
-            <pc:sldMk cId="0" sldId="289"/>
-            <ac:spMk id="72" creationId="{00000000-0000-0000-0000-000000000000}"/>
-          </ac:spMkLst>
-        </pc:spChg>
       </pc:sldChg>
       <pc:sldChg chg="modSp add del">
         <pc:chgData name="Sonia Tara Hegde" userId="d93a2558-a889-4521-bcb4-6ed3fce9e012" providerId="ADAL" clId="{8F23145C-A13B-A342-8814-4A755A7320F9}" dt="2025-05-19T23:14:36.359" v="582" actId="2696"/>
@@ -806,14 +326,6 @@
           <pc:docMk/>
           <pc:sldMk cId="0" sldId="290"/>
         </pc:sldMkLst>
-        <pc:spChg chg="mod">
-          <ac:chgData name="Sonia Tara Hegde" userId="d93a2558-a889-4521-bcb4-6ed3fce9e012" providerId="ADAL" clId="{8F23145C-A13B-A342-8814-4A755A7320F9}" dt="2025-05-19T23:09:26.530" v="467"/>
-          <ac:spMkLst>
-            <pc:docMk/>
-            <pc:sldMk cId="0" sldId="290"/>
-            <ac:spMk id="85" creationId="{00000000-0000-0000-0000-000000000000}"/>
-          </ac:spMkLst>
-        </pc:spChg>
       </pc:sldChg>
       <pc:sldChg chg="modSp add del">
         <pc:chgData name="Sonia Tara Hegde" userId="d93a2558-a889-4521-bcb4-6ed3fce9e012" providerId="ADAL" clId="{8F23145C-A13B-A342-8814-4A755A7320F9}" dt="2025-05-19T23:14:36.489" v="585" actId="2696"/>
@@ -821,14 +333,6 @@
           <pc:docMk/>
           <pc:sldMk cId="0" sldId="291"/>
         </pc:sldMkLst>
-        <pc:spChg chg="mod">
-          <ac:chgData name="Sonia Tara Hegde" userId="d93a2558-a889-4521-bcb4-6ed3fce9e012" providerId="ADAL" clId="{8F23145C-A13B-A342-8814-4A755A7320F9}" dt="2025-05-19T23:09:26.530" v="467"/>
-          <ac:spMkLst>
-            <pc:docMk/>
-            <pc:sldMk cId="0" sldId="291"/>
-            <ac:spMk id="89" creationId="{00000000-0000-0000-0000-000000000000}"/>
-          </ac:spMkLst>
-        </pc:spChg>
       </pc:sldChg>
       <pc:sldChg chg="modSp add del">
         <pc:chgData name="Sonia Tara Hegde" userId="d93a2558-a889-4521-bcb4-6ed3fce9e012" providerId="ADAL" clId="{8F23145C-A13B-A342-8814-4A755A7320F9}" dt="2025-05-19T23:14:36.397" v="583" actId="2696"/>
@@ -836,14 +340,6 @@
           <pc:docMk/>
           <pc:sldMk cId="0" sldId="292"/>
         </pc:sldMkLst>
-        <pc:spChg chg="mod">
-          <ac:chgData name="Sonia Tara Hegde" userId="d93a2558-a889-4521-bcb4-6ed3fce9e012" providerId="ADAL" clId="{8F23145C-A13B-A342-8814-4A755A7320F9}" dt="2025-05-19T23:09:26.530" v="467"/>
-          <ac:spMkLst>
-            <pc:docMk/>
-            <pc:sldMk cId="0" sldId="292"/>
-            <ac:spMk id="22" creationId="{00000000-0000-0000-0000-000000000000}"/>
-          </ac:spMkLst>
-        </pc:spChg>
       </pc:sldChg>
       <pc:sldChg chg="modSp add del">
         <pc:chgData name="Sonia Tara Hegde" userId="d93a2558-a889-4521-bcb4-6ed3fce9e012" providerId="ADAL" clId="{8F23145C-A13B-A342-8814-4A755A7320F9}" dt="2025-05-19T23:14:36.211" v="573" actId="2696"/>
@@ -851,14 +347,6 @@
           <pc:docMk/>
           <pc:sldMk cId="0" sldId="293"/>
         </pc:sldMkLst>
-        <pc:spChg chg="mod">
-          <ac:chgData name="Sonia Tara Hegde" userId="d93a2558-a889-4521-bcb4-6ed3fce9e012" providerId="ADAL" clId="{8F23145C-A13B-A342-8814-4A755A7320F9}" dt="2025-05-19T23:09:26.530" v="467"/>
-          <ac:spMkLst>
-            <pc:docMk/>
-            <pc:sldMk cId="0" sldId="293"/>
-            <ac:spMk id="28" creationId="{00000000-0000-0000-0000-000000000000}"/>
-          </ac:spMkLst>
-        </pc:spChg>
       </pc:sldChg>
       <pc:sldChg chg="modSp add del">
         <pc:chgData name="Sonia Tara Hegde" userId="d93a2558-a889-4521-bcb4-6ed3fce9e012" providerId="ADAL" clId="{8F23145C-A13B-A342-8814-4A755A7320F9}" dt="2025-05-19T23:14:36.145" v="570" actId="2696"/>
@@ -866,14 +354,6 @@
           <pc:docMk/>
           <pc:sldMk cId="0" sldId="294"/>
         </pc:sldMkLst>
-        <pc:spChg chg="mod">
-          <ac:chgData name="Sonia Tara Hegde" userId="d93a2558-a889-4521-bcb4-6ed3fce9e012" providerId="ADAL" clId="{8F23145C-A13B-A342-8814-4A755A7320F9}" dt="2025-05-19T23:09:26.530" v="467"/>
-          <ac:spMkLst>
-            <pc:docMk/>
-            <pc:sldMk cId="0" sldId="294"/>
-            <ac:spMk id="23" creationId="{00000000-0000-0000-0000-000000000000}"/>
-          </ac:spMkLst>
-        </pc:spChg>
       </pc:sldChg>
       <pc:sldChg chg="modSp add del">
         <pc:chgData name="Sonia Tara Hegde" userId="d93a2558-a889-4521-bcb4-6ed3fce9e012" providerId="ADAL" clId="{8F23145C-A13B-A342-8814-4A755A7320F9}" dt="2025-05-19T23:14:36.180" v="572" actId="2696"/>
@@ -881,14 +361,6 @@
           <pc:docMk/>
           <pc:sldMk cId="0" sldId="295"/>
         </pc:sldMkLst>
-        <pc:spChg chg="mod">
-          <ac:chgData name="Sonia Tara Hegde" userId="d93a2558-a889-4521-bcb4-6ed3fce9e012" providerId="ADAL" clId="{8F23145C-A13B-A342-8814-4A755A7320F9}" dt="2025-05-19T23:09:26.530" v="467"/>
-          <ac:spMkLst>
-            <pc:docMk/>
-            <pc:sldMk cId="0" sldId="295"/>
-            <ac:spMk id="24" creationId="{00000000-0000-0000-0000-000000000000}"/>
-          </ac:spMkLst>
-        </pc:spChg>
       </pc:sldChg>
       <pc:sldChg chg="modSp add del">
         <pc:chgData name="Sonia Tara Hegde" userId="d93a2558-a889-4521-bcb4-6ed3fce9e012" providerId="ADAL" clId="{8F23145C-A13B-A342-8814-4A755A7320F9}" dt="2025-05-19T23:14:36.132" v="568" actId="2696"/>
@@ -896,12 +368,28 @@
           <pc:docMk/>
           <pc:sldMk cId="0" sldId="296"/>
         </pc:sldMkLst>
+      </pc:sldChg>
+    </pc:docChg>
+  </pc:docChgLst>
+  <pc:docChgLst>
+    <pc:chgData name="Sonia Tara Hegde" userId="d93a2558-a889-4521-bcb4-6ed3fce9e012" providerId="ADAL" clId="{404A9189-74D6-8143-A7AE-2E67D41D6D1E}"/>
+    <pc:docChg chg="modSld">
+      <pc:chgData name="Sonia Tara Hegde" userId="d93a2558-a889-4521-bcb4-6ed3fce9e012" providerId="ADAL" clId="{404A9189-74D6-8143-A7AE-2E67D41D6D1E}" dt="2025-07-17T06:00:09.121" v="1" actId="20577"/>
+      <pc:docMkLst>
+        <pc:docMk/>
+      </pc:docMkLst>
+      <pc:sldChg chg="modSp mod">
+        <pc:chgData name="Sonia Tara Hegde" userId="d93a2558-a889-4521-bcb4-6ed3fce9e012" providerId="ADAL" clId="{404A9189-74D6-8143-A7AE-2E67D41D6D1E}" dt="2025-07-17T06:00:09.121" v="1" actId="20577"/>
+        <pc:sldMkLst>
+          <pc:docMk/>
+          <pc:sldMk cId="4234954616" sldId="256"/>
+        </pc:sldMkLst>
         <pc:spChg chg="mod">
-          <ac:chgData name="Sonia Tara Hegde" userId="d93a2558-a889-4521-bcb4-6ed3fce9e012" providerId="ADAL" clId="{8F23145C-A13B-A342-8814-4A755A7320F9}" dt="2025-05-19T23:09:26.530" v="467"/>
+          <ac:chgData name="Sonia Tara Hegde" userId="d93a2558-a889-4521-bcb4-6ed3fce9e012" providerId="ADAL" clId="{404A9189-74D6-8143-A7AE-2E67D41D6D1E}" dt="2025-07-17T06:00:09.121" v="1" actId="20577"/>
           <ac:spMkLst>
             <pc:docMk/>
-            <pc:sldMk cId="0" sldId="296"/>
-            <ac:spMk id="44" creationId="{00000000-0000-0000-0000-000000000000}"/>
+            <pc:sldMk cId="4234954616" sldId="256"/>
+            <ac:spMk id="2" creationId="{5FC40703-2282-157B-9E09-881EED295639}"/>
           </ac:spMkLst>
         </pc:spChg>
       </pc:sldChg>
@@ -992,7 +480,7 @@
           <a:p>
             <a:fld id="{EE2E33BD-E1BA-3C4D-B01A-FFAC454B8D70}" type="datetimeFigureOut">
               <a:rPr lang="en-US" smtClean="0"/>
-              <a:t>5/19/25</a:t>
+              <a:t>7/17/25</a:t>
             </a:fld>
             <a:endParaRPr lang="en-US"/>
           </a:p>
@@ -3436,10 +2924,16 @@
           <a:lstStyle/>
           <a:p>
             <a:r>
+              <a:rPr lang="en-US" sz="4000">
+                <a:latin typeface="Aptos" panose="020B0004020202020204" pitchFamily="34" charset="0"/>
+              </a:rPr>
+              <a:t>Lecture 2: </a:t>
+            </a:r>
+            <a:r>
               <a:rPr lang="en-US" sz="4000" dirty="0">
                 <a:latin typeface="Aptos" panose="020B0004020202020204" pitchFamily="34" charset="0"/>
               </a:rPr>
-              <a:t>Lecture 1: Introduction to R for serological data analyses</a:t>
+              <a:t>Introduction to R for serological data analyses</a:t>
             </a:r>
           </a:p>
         </p:txBody>
